--- a/Seminar/Rule-Based Runtime Verification Tool.pptx
+++ b/Seminar/Rule-Based Runtime Verification Tool.pptx
@@ -6,7 +6,7 @@
     <p:sldMasterId id="2147483660" r:id="rId2"/>
   </p:sldMasterIdLst>
   <p:notesMasterIdLst>
-    <p:notesMasterId r:id="rId15"/>
+    <p:notesMasterId r:id="rId16"/>
   </p:notesMasterIdLst>
   <p:sldIdLst>
     <p:sldId id="256" r:id="rId3"/>
@@ -17,10 +17,11 @@
     <p:sldId id="267" r:id="rId8"/>
     <p:sldId id="268" r:id="rId9"/>
     <p:sldId id="262" r:id="rId10"/>
-    <p:sldId id="260" r:id="rId11"/>
-    <p:sldId id="261" r:id="rId12"/>
-    <p:sldId id="263" r:id="rId13"/>
-    <p:sldId id="264" r:id="rId14"/>
+    <p:sldId id="269" r:id="rId11"/>
+    <p:sldId id="260" r:id="rId12"/>
+    <p:sldId id="261" r:id="rId13"/>
+    <p:sldId id="263" r:id="rId14"/>
+    <p:sldId id="264" r:id="rId15"/>
   </p:sldIdLst>
   <p:sldSz cx="12192000" cy="6858000"/>
   <p:notesSz cx="6858000" cy="9144000"/>
@@ -221,7 +222,7 @@
           <a:p>
             <a:fld id="{A0C6D5AA-3C35-4905-9DFE-AD97A8218592}" type="datetimeFigureOut">
               <a:rPr lang="en-GB" smtClean="0"/>
-              <a:t>09/11/2016</a:t>
+              <a:t>10/11/2016</a:t>
             </a:fld>
             <a:endParaRPr lang="en-GB"/>
           </a:p>
@@ -1148,6 +1149,294 @@
 </p:notes>
 </file>
 
+<file path=ppt/notesSlides/notesSlide5.xml><?xml version="1.0" encoding="utf-8"?>
+<p:notes xmlns:a="http://schemas.openxmlformats.org/drawingml/2006/main" xmlns:r="http://schemas.openxmlformats.org/officeDocument/2006/relationships" xmlns:p="http://schemas.openxmlformats.org/presentationml/2006/main">
+  <p:cSld>
+    <p:spTree>
+      <p:nvGrpSpPr>
+        <p:cNvPr id="1" name=""/>
+        <p:cNvGrpSpPr/>
+        <p:nvPr/>
+      </p:nvGrpSpPr>
+      <p:grpSpPr>
+        <a:xfrm>
+          <a:off x="0" y="0"/>
+          <a:ext cx="0" cy="0"/>
+          <a:chOff x="0" y="0"/>
+          <a:chExt cx="0" cy="0"/>
+        </a:xfrm>
+      </p:grpSpPr>
+      <p:sp>
+        <p:nvSpPr>
+          <p:cNvPr id="2" name="Slide Image Placeholder 1"/>
+          <p:cNvSpPr>
+            <a:spLocks noGrp="1" noRot="1" noChangeAspect="1"/>
+          </p:cNvSpPr>
+          <p:nvPr>
+            <p:ph type="sldImg"/>
+          </p:nvPr>
+        </p:nvSpPr>
+        <p:spPr/>
+      </p:sp>
+      <p:sp>
+        <p:nvSpPr>
+          <p:cNvPr id="3" name="Notes Placeholder 2"/>
+          <p:cNvSpPr>
+            <a:spLocks noGrp="1"/>
+          </p:cNvSpPr>
+          <p:nvPr>
+            <p:ph type="body" idx="1"/>
+          </p:nvPr>
+        </p:nvSpPr>
+        <p:spPr/>
+        <p:txBody>
+          <a:bodyPr/>
+          <a:lstStyle/>
+          <a:p>
+            <a:endParaRPr lang="en-GB" dirty="0"/>
+          </a:p>
+        </p:txBody>
+      </p:sp>
+      <p:sp>
+        <p:nvSpPr>
+          <p:cNvPr id="4" name="Slide Number Placeholder 3"/>
+          <p:cNvSpPr>
+            <a:spLocks noGrp="1"/>
+          </p:cNvSpPr>
+          <p:nvPr>
+            <p:ph type="sldNum" sz="quarter" idx="10"/>
+          </p:nvPr>
+        </p:nvSpPr>
+        <p:spPr/>
+        <p:txBody>
+          <a:bodyPr/>
+          <a:lstStyle/>
+          <a:p>
+            <a:fld id="{23428444-63B1-4301-AC3C-CE9B26C204F0}" type="slidenum">
+              <a:rPr lang="en-GB" smtClean="0"/>
+              <a:t>7</a:t>
+            </a:fld>
+            <a:endParaRPr lang="en-GB"/>
+          </a:p>
+        </p:txBody>
+      </p:sp>
+    </p:spTree>
+    <p:extLst>
+      <p:ext uri="{BB962C8B-B14F-4D97-AF65-F5344CB8AC3E}">
+        <p14:creationId xmlns:p14="http://schemas.microsoft.com/office/powerpoint/2010/main" val="3792755588"/>
+      </p:ext>
+    </p:extLst>
+  </p:cSld>
+  <p:clrMapOvr>
+    <a:masterClrMapping/>
+  </p:clrMapOvr>
+</p:notes>
+</file>
+
+<file path=ppt/notesSlides/notesSlide6.xml><?xml version="1.0" encoding="utf-8"?>
+<p:notes xmlns:a="http://schemas.openxmlformats.org/drawingml/2006/main" xmlns:r="http://schemas.openxmlformats.org/officeDocument/2006/relationships" xmlns:p="http://schemas.openxmlformats.org/presentationml/2006/main">
+  <p:cSld>
+    <p:spTree>
+      <p:nvGrpSpPr>
+        <p:cNvPr id="1" name=""/>
+        <p:cNvGrpSpPr/>
+        <p:nvPr/>
+      </p:nvGrpSpPr>
+      <p:grpSpPr>
+        <a:xfrm>
+          <a:off x="0" y="0"/>
+          <a:ext cx="0" cy="0"/>
+          <a:chOff x="0" y="0"/>
+          <a:chExt cx="0" cy="0"/>
+        </a:xfrm>
+      </p:grpSpPr>
+      <p:sp>
+        <p:nvSpPr>
+          <p:cNvPr id="2" name="Slide Image Placeholder 1"/>
+          <p:cNvSpPr>
+            <a:spLocks noGrp="1" noRot="1" noChangeAspect="1"/>
+          </p:cNvSpPr>
+          <p:nvPr>
+            <p:ph type="sldImg"/>
+          </p:nvPr>
+        </p:nvSpPr>
+        <p:spPr/>
+      </p:sp>
+      <p:sp>
+        <p:nvSpPr>
+          <p:cNvPr id="3" name="Notes Placeholder 2"/>
+          <p:cNvSpPr>
+            <a:spLocks noGrp="1"/>
+          </p:cNvSpPr>
+          <p:nvPr>
+            <p:ph type="body" idx="1"/>
+          </p:nvPr>
+        </p:nvSpPr>
+        <p:spPr/>
+        <p:txBody>
+          <a:bodyPr/>
+          <a:lstStyle/>
+          <a:p>
+            <a:r>
+              <a:rPr lang="en-GB" sz="1200" b="1" kern="1200" dirty="0" smtClean="0">
+                <a:solidFill>
+                  <a:schemeClr val="tx1"/>
+                </a:solidFill>
+                <a:effectLst/>
+                <a:latin typeface="+mn-lt"/>
+                <a:ea typeface="+mn-ea"/>
+                <a:cs typeface="+mn-cs"/>
+              </a:rPr>
+              <a:t>Interfacing with the outside world.</a:t>
+            </a:r>
+            <a:r>
+              <a:rPr lang="en-GB" sz="1200" kern="1200" dirty="0" smtClean="0">
+                <a:solidFill>
+                  <a:schemeClr val="tx1"/>
+                </a:solidFill>
+                <a:effectLst/>
+                <a:latin typeface="+mn-lt"/>
+                <a:ea typeface="+mn-ea"/>
+                <a:cs typeface="+mn-cs"/>
+              </a:rPr>
+              <a:t> A monitoring tool needs to take as input both a specification and some observations about a monitored system. For the specification it needs to provide usable parsing for </a:t>
+            </a:r>
+            <a:r>
+              <a:rPr lang="en-GB" sz="1200" kern="1200" dirty="0" err="1" smtClean="0">
+                <a:solidFill>
+                  <a:schemeClr val="tx1"/>
+                </a:solidFill>
+                <a:effectLst/>
+                <a:latin typeface="+mn-lt"/>
+                <a:ea typeface="+mn-ea"/>
+                <a:cs typeface="+mn-cs"/>
+              </a:rPr>
+              <a:t>RuleR</a:t>
+            </a:r>
+            <a:r>
+              <a:rPr lang="en-GB" sz="1200" kern="1200" dirty="0" smtClean="0">
+                <a:solidFill>
+                  <a:schemeClr val="tx1"/>
+                </a:solidFill>
+                <a:effectLst/>
+                <a:latin typeface="+mn-lt"/>
+                <a:ea typeface="+mn-ea"/>
+                <a:cs typeface="+mn-cs"/>
+              </a:rPr>
+              <a:t> specifications. For the observations it will need to interface with instrumentation techniques (such as AspectJ) and parse log files for offline monitoring. </a:t>
+            </a:r>
+            <a:r>
+              <a:rPr lang="en-GB" sz="1200" b="1" kern="1200" dirty="0" smtClean="0">
+                <a:solidFill>
+                  <a:schemeClr val="tx1"/>
+                </a:solidFill>
+                <a:effectLst/>
+                <a:latin typeface="+mn-lt"/>
+                <a:ea typeface="+mn-ea"/>
+                <a:cs typeface="+mn-cs"/>
+              </a:rPr>
+              <a:t>Making it go fast. </a:t>
+            </a:r>
+            <a:r>
+              <a:rPr lang="en-GB" sz="1200" kern="1200" dirty="0" smtClean="0">
+                <a:solidFill>
+                  <a:schemeClr val="tx1"/>
+                </a:solidFill>
+                <a:effectLst/>
+                <a:latin typeface="+mn-lt"/>
+                <a:ea typeface="+mn-ea"/>
+                <a:cs typeface="+mn-cs"/>
+              </a:rPr>
+              <a:t>The algorithm needs to identify which rules to fire. Naively this can be implemented as a linear search but it is likely that more efficient indexing solutions exist. Additionally, the fact database can be stored in a simple set or list data structure, however this may also be non-optimal for traversal and fact deletion operations. There are then further possible optimisations related to garbage collection and other certain special cases that could be explored. </a:t>
+            </a:r>
+            <a:r>
+              <a:rPr lang="en-GB" sz="1200" b="1" kern="1200" dirty="0" smtClean="0">
+                <a:solidFill>
+                  <a:schemeClr val="tx1"/>
+                </a:solidFill>
+                <a:effectLst/>
+                <a:latin typeface="+mn-lt"/>
+                <a:ea typeface="+mn-ea"/>
+                <a:cs typeface="+mn-cs"/>
+              </a:rPr>
+              <a:t>Making it more powerful. </a:t>
+            </a:r>
+            <a:r>
+              <a:rPr lang="en-GB" sz="1200" kern="1200" dirty="0" smtClean="0">
+                <a:solidFill>
+                  <a:schemeClr val="tx1"/>
+                </a:solidFill>
+                <a:effectLst/>
+                <a:latin typeface="+mn-lt"/>
+                <a:ea typeface="+mn-ea"/>
+                <a:cs typeface="+mn-cs"/>
+              </a:rPr>
+              <a:t>There are possible extensions to the </a:t>
+            </a:r>
+            <a:r>
+              <a:rPr lang="en-GB" sz="1200" kern="1200" dirty="0" err="1" smtClean="0">
+                <a:solidFill>
+                  <a:schemeClr val="tx1"/>
+                </a:solidFill>
+                <a:effectLst/>
+                <a:latin typeface="+mn-lt"/>
+                <a:ea typeface="+mn-ea"/>
+                <a:cs typeface="+mn-cs"/>
+              </a:rPr>
+              <a:t>RuleR</a:t>
+            </a:r>
+            <a:r>
+              <a:rPr lang="en-GB" sz="1200" kern="1200" dirty="0" smtClean="0">
+                <a:solidFill>
+                  <a:schemeClr val="tx1"/>
+                </a:solidFill>
+                <a:effectLst/>
+                <a:latin typeface="+mn-lt"/>
+                <a:ea typeface="+mn-ea"/>
+                <a:cs typeface="+mn-cs"/>
+              </a:rPr>
+              <a:t> language that could be supported by extensions to the monitoring algorithm. For example, using arithmetic or data structures within rules. This part would look at the (theoretical) language extension and how to extend the monitoring algorithm.</a:t>
+            </a:r>
+            <a:endParaRPr lang="en-GB" dirty="0"/>
+          </a:p>
+        </p:txBody>
+      </p:sp>
+      <p:sp>
+        <p:nvSpPr>
+          <p:cNvPr id="4" name="Slide Number Placeholder 3"/>
+          <p:cNvSpPr>
+            <a:spLocks noGrp="1"/>
+          </p:cNvSpPr>
+          <p:nvPr>
+            <p:ph type="sldNum" sz="quarter" idx="10"/>
+          </p:nvPr>
+        </p:nvSpPr>
+        <p:spPr/>
+        <p:txBody>
+          <a:bodyPr/>
+          <a:lstStyle/>
+          <a:p>
+            <a:fld id="{23428444-63B1-4301-AC3C-CE9B26C204F0}" type="slidenum">
+              <a:rPr lang="en-GB" smtClean="0"/>
+              <a:t>11</a:t>
+            </a:fld>
+            <a:endParaRPr lang="en-GB"/>
+          </a:p>
+        </p:txBody>
+      </p:sp>
+    </p:spTree>
+    <p:extLst>
+      <p:ext uri="{BB962C8B-B14F-4D97-AF65-F5344CB8AC3E}">
+        <p14:creationId xmlns:p14="http://schemas.microsoft.com/office/powerpoint/2010/main" val="2303108785"/>
+      </p:ext>
+    </p:extLst>
+  </p:cSld>
+  <p:clrMapOvr>
+    <a:masterClrMapping/>
+  </p:clrMapOvr>
+</p:notes>
+</file>
+
 <file path=ppt/slideLayouts/slideLayout1.xml><?xml version="1.0" encoding="utf-8"?>
 <p:sldLayout xmlns:a="http://schemas.openxmlformats.org/drawingml/2006/main" xmlns:r="http://schemas.openxmlformats.org/officeDocument/2006/relationships" xmlns:p="http://schemas.openxmlformats.org/presentationml/2006/main" type="title" preserve="1">
   <p:cSld name="Title Slide">
@@ -1431,7 +1720,7 @@
           <a:p>
             <a:fld id="{0B9C70C9-9C08-412B-815E-173E5167EC12}" type="datetimeFigureOut">
               <a:rPr lang="en-GB" smtClean="0"/>
-              <a:t>09/11/2016</a:t>
+              <a:t>10/11/2016</a:t>
             </a:fld>
             <a:endParaRPr lang="en-GB"/>
           </a:p>
@@ -1627,7 +1916,7 @@
           <a:p>
             <a:fld id="{0B9C70C9-9C08-412B-815E-173E5167EC12}" type="datetimeFigureOut">
               <a:rPr lang="en-GB" smtClean="0"/>
-              <a:t>09/11/2016</a:t>
+              <a:t>10/11/2016</a:t>
             </a:fld>
             <a:endParaRPr lang="en-GB"/>
           </a:p>
@@ -2018,7 +2307,7 @@
           <a:p>
             <a:fld id="{0B9C70C9-9C08-412B-815E-173E5167EC12}" type="datetimeFigureOut">
               <a:rPr lang="en-GB" smtClean="0"/>
-              <a:t>09/11/2016</a:t>
+              <a:t>10/11/2016</a:t>
             </a:fld>
             <a:endParaRPr lang="en-GB"/>
           </a:p>
@@ -2287,7 +2576,7 @@
           <a:p>
             <a:fld id="{0B9C70C9-9C08-412B-815E-173E5167EC12}" type="datetimeFigureOut">
               <a:rPr lang="en-GB" smtClean="0"/>
-              <a:t>09/11/2016</a:t>
+              <a:t>10/11/2016</a:t>
             </a:fld>
             <a:endParaRPr lang="en-GB"/>
           </a:p>
@@ -2542,7 +2831,7 @@
           <a:p>
             <a:fld id="{0B9C70C9-9C08-412B-815E-173E5167EC12}" type="datetimeFigureOut">
               <a:rPr lang="en-GB" smtClean="0"/>
-              <a:t>09/11/2016</a:t>
+              <a:t>10/11/2016</a:t>
             </a:fld>
             <a:endParaRPr lang="en-GB"/>
           </a:p>
@@ -2932,7 +3221,7 @@
           <a:p>
             <a:fld id="{0B9C70C9-9C08-412B-815E-173E5167EC12}" type="datetimeFigureOut">
               <a:rPr lang="en-GB" smtClean="0"/>
-              <a:t>09/11/2016</a:t>
+              <a:t>10/11/2016</a:t>
             </a:fld>
             <a:endParaRPr lang="en-GB"/>
           </a:p>
@@ -3066,7 +3355,7 @@
           <a:p>
             <a:fld id="{0B9C70C9-9C08-412B-815E-173E5167EC12}" type="datetimeFigureOut">
               <a:rPr lang="en-GB" smtClean="0"/>
-              <a:t>09/11/2016</a:t>
+              <a:t>10/11/2016</a:t>
             </a:fld>
             <a:endParaRPr lang="en-GB"/>
           </a:p>
@@ -3177,7 +3466,7 @@
           <a:p>
             <a:fld id="{0B9C70C9-9C08-412B-815E-173E5167EC12}" type="datetimeFigureOut">
               <a:rPr lang="en-GB" smtClean="0"/>
-              <a:t>09/11/2016</a:t>
+              <a:t>10/11/2016</a:t>
             </a:fld>
             <a:endParaRPr lang="en-GB"/>
           </a:p>
@@ -3470,7 +3759,7 @@
           <a:p>
             <a:fld id="{0B9C70C9-9C08-412B-815E-173E5167EC12}" type="datetimeFigureOut">
               <a:rPr lang="en-GB" smtClean="0"/>
-              <a:t>09/11/2016</a:t>
+              <a:t>10/11/2016</a:t>
             </a:fld>
             <a:endParaRPr lang="en-GB"/>
           </a:p>
@@ -3688,7 +3977,7 @@
           <a:p>
             <a:fld id="{0B9C70C9-9C08-412B-815E-173E5167EC12}" type="datetimeFigureOut">
               <a:rPr lang="en-GB" smtClean="0"/>
-              <a:t>09/11/2016</a:t>
+              <a:t>10/11/2016</a:t>
             </a:fld>
             <a:endParaRPr lang="en-GB"/>
           </a:p>
@@ -3964,7 +4253,7 @@
           <a:p>
             <a:fld id="{0B9C70C9-9C08-412B-815E-173E5167EC12}" type="datetimeFigureOut">
               <a:rPr lang="en-GB" smtClean="0"/>
-              <a:t>09/11/2016</a:t>
+              <a:t>10/11/2016</a:t>
             </a:fld>
             <a:endParaRPr lang="en-GB"/>
           </a:p>
@@ -4150,7 +4439,7 @@
           <a:p>
             <a:fld id="{0B9C70C9-9C08-412B-815E-173E5167EC12}" type="datetimeFigureOut">
               <a:rPr lang="en-GB" smtClean="0"/>
-              <a:t>09/11/2016</a:t>
+              <a:t>10/11/2016</a:t>
             </a:fld>
             <a:endParaRPr lang="en-GB"/>
           </a:p>
@@ -4346,7 +4635,7 @@
           <a:p>
             <a:fld id="{0B9C70C9-9C08-412B-815E-173E5167EC12}" type="datetimeFigureOut">
               <a:rPr lang="en-GB" smtClean="0"/>
-              <a:t>09/11/2016</a:t>
+              <a:t>10/11/2016</a:t>
             </a:fld>
             <a:endParaRPr lang="en-GB"/>
           </a:p>
@@ -4615,7 +4904,7 @@
           <a:p>
             <a:fld id="{0B9C70C9-9C08-412B-815E-173E5167EC12}" type="datetimeFigureOut">
               <a:rPr lang="en-GB" smtClean="0"/>
-              <a:t>09/11/2016</a:t>
+              <a:t>10/11/2016</a:t>
             </a:fld>
             <a:endParaRPr lang="en-GB"/>
           </a:p>
@@ -4870,7 +5159,7 @@
           <a:p>
             <a:fld id="{0B9C70C9-9C08-412B-815E-173E5167EC12}" type="datetimeFigureOut">
               <a:rPr lang="en-GB" smtClean="0"/>
-              <a:t>09/11/2016</a:t>
+              <a:t>10/11/2016</a:t>
             </a:fld>
             <a:endParaRPr lang="en-GB"/>
           </a:p>
@@ -5260,7 +5549,7 @@
           <a:p>
             <a:fld id="{0B9C70C9-9C08-412B-815E-173E5167EC12}" type="datetimeFigureOut">
               <a:rPr lang="en-GB" smtClean="0"/>
-              <a:t>09/11/2016</a:t>
+              <a:t>10/11/2016</a:t>
             </a:fld>
             <a:endParaRPr lang="en-GB"/>
           </a:p>
@@ -5394,7 +5683,7 @@
           <a:p>
             <a:fld id="{0B9C70C9-9C08-412B-815E-173E5167EC12}" type="datetimeFigureOut">
               <a:rPr lang="en-GB" smtClean="0"/>
-              <a:t>09/11/2016</a:t>
+              <a:t>10/11/2016</a:t>
             </a:fld>
             <a:endParaRPr lang="en-GB"/>
           </a:p>
@@ -5505,7 +5794,7 @@
           <a:p>
             <a:fld id="{0B9C70C9-9C08-412B-815E-173E5167EC12}" type="datetimeFigureOut">
               <a:rPr lang="en-GB" smtClean="0"/>
-              <a:t>09/11/2016</a:t>
+              <a:t>10/11/2016</a:t>
             </a:fld>
             <a:endParaRPr lang="en-GB"/>
           </a:p>
@@ -5798,7 +6087,7 @@
           <a:p>
             <a:fld id="{0B9C70C9-9C08-412B-815E-173E5167EC12}" type="datetimeFigureOut">
               <a:rPr lang="en-GB" smtClean="0"/>
-              <a:t>09/11/2016</a:t>
+              <a:t>10/11/2016</a:t>
             </a:fld>
             <a:endParaRPr lang="en-GB"/>
           </a:p>
@@ -6067,7 +6356,7 @@
           <a:p>
             <a:fld id="{0B9C70C9-9C08-412B-815E-173E5167EC12}" type="datetimeFigureOut">
               <a:rPr lang="en-GB" smtClean="0"/>
-              <a:t>09/11/2016</a:t>
+              <a:t>10/11/2016</a:t>
             </a:fld>
             <a:endParaRPr lang="en-GB"/>
           </a:p>
@@ -7629,7 +7918,7 @@
           <a:p>
             <a:r>
               <a:rPr lang="en-GB" dirty="0" smtClean="0"/>
-              <a:t>Goal</a:t>
+              <a:t>Problems</a:t>
             </a:r>
             <a:endParaRPr lang="en-GB" dirty="0"/>
           </a:p>
@@ -7650,14 +7939,23 @@
           <a:bodyPr/>
           <a:lstStyle/>
           <a:p>
-            <a:endParaRPr lang="en-GB"/>
+            <a:r>
+              <a:rPr lang="en-GB" dirty="0" smtClean="0"/>
+              <a:t>Scalability </a:t>
+            </a:r>
+          </a:p>
+          <a:p>
+            <a:endParaRPr lang="en-GB" dirty="0"/>
+          </a:p>
+          <a:p>
+            <a:endParaRPr lang="en-GB" dirty="0"/>
           </a:p>
         </p:txBody>
       </p:sp>
     </p:spTree>
     <p:extLst>
       <p:ext uri="{BB962C8B-B14F-4D97-AF65-F5344CB8AC3E}">
-        <p14:creationId xmlns:p14="http://schemas.microsoft.com/office/powerpoint/2010/main" val="1407891076"/>
+        <p14:creationId xmlns:p14="http://schemas.microsoft.com/office/powerpoint/2010/main" val="430266955"/>
       </p:ext>
     </p:extLst>
   </p:cSld>
@@ -7708,7 +8006,7 @@
           <a:p>
             <a:r>
               <a:rPr lang="en-GB" dirty="0" smtClean="0"/>
-              <a:t>Plan</a:t>
+              <a:t>Goal</a:t>
             </a:r>
             <a:endParaRPr lang="en-GB" dirty="0"/>
           </a:p>
@@ -7726,17 +8024,49 @@
         </p:nvSpPr>
         <p:spPr/>
         <p:txBody>
-          <a:bodyPr/>
-          <a:lstStyle/>
-          <a:p>
-            <a:endParaRPr lang="en-GB"/>
+          <a:bodyPr>
+            <a:normAutofit/>
+          </a:bodyPr>
+          <a:lstStyle/>
+          <a:p>
+            <a:r>
+              <a:rPr lang="en-GB" dirty="0"/>
+              <a:t>Interfacing with the outside </a:t>
+            </a:r>
+            <a:r>
+              <a:rPr lang="en-GB" dirty="0" smtClean="0"/>
+              <a:t>world</a:t>
+            </a:r>
+          </a:p>
+          <a:p>
+            <a:endParaRPr lang="en-GB" dirty="0"/>
+          </a:p>
+          <a:p>
+            <a:r>
+              <a:rPr lang="en-GB" dirty="0"/>
+              <a:t>Making it go </a:t>
+            </a:r>
+            <a:r>
+              <a:rPr lang="en-GB" dirty="0" smtClean="0"/>
+              <a:t>fast</a:t>
+            </a:r>
+          </a:p>
+          <a:p>
+            <a:endParaRPr lang="en-GB" dirty="0"/>
+          </a:p>
+          <a:p>
+            <a:r>
+              <a:rPr lang="en-GB" dirty="0"/>
+              <a:t>Making it more powerful</a:t>
+            </a:r>
+            <a:endParaRPr lang="en-GB" dirty="0"/>
           </a:p>
         </p:txBody>
       </p:sp>
     </p:spTree>
     <p:extLst>
       <p:ext uri="{BB962C8B-B14F-4D97-AF65-F5344CB8AC3E}">
-        <p14:creationId xmlns:p14="http://schemas.microsoft.com/office/powerpoint/2010/main" val="2010262969"/>
+        <p14:creationId xmlns:p14="http://schemas.microsoft.com/office/powerpoint/2010/main" val="1407891076"/>
       </p:ext>
     </p:extLst>
   </p:cSld>
@@ -7770,6 +8100,99 @@
           <a:chExt cx="0" cy="0"/>
         </a:xfrm>
       </p:grpSpPr>
+      <p:pic>
+        <p:nvPicPr>
+          <p:cNvPr id="4" name="Content Placeholder 3"/>
+          <p:cNvPicPr>
+            <a:picLocks noGrp="1" noChangeAspect="1"/>
+          </p:cNvPicPr>
+          <p:nvPr>
+            <p:ph idx="4294967295"/>
+          </p:nvPr>
+        </p:nvPicPr>
+        <p:blipFill rotWithShape="1">
+          <a:blip r:embed="rId2">
+            <a:extLst>
+              <a:ext uri="{28A0092B-C50C-407E-A947-70E740481C1C}">
+                <a14:useLocalDpi xmlns:a14="http://schemas.microsoft.com/office/drawing/2010/main" val="0"/>
+              </a:ext>
+            </a:extLst>
+          </a:blip>
+          <a:srcRect l="1388" t="1425" r="416" b="438"/>
+          <a:stretch/>
+        </p:blipFill>
+        <p:spPr>
+          <a:xfrm>
+            <a:off x="520260" y="449263"/>
+            <a:ext cx="11147425" cy="6069012"/>
+          </a:xfrm>
+        </p:spPr>
+      </p:pic>
+      <p:sp>
+        <p:nvSpPr>
+          <p:cNvPr id="2" name="Title 1"/>
+          <p:cNvSpPr>
+            <a:spLocks noGrp="1"/>
+          </p:cNvSpPr>
+          <p:nvPr>
+            <p:ph type="title" idx="4294967295"/>
+          </p:nvPr>
+        </p:nvSpPr>
+        <p:spPr>
+          <a:xfrm>
+            <a:off x="551798" y="46038"/>
+            <a:ext cx="10515600" cy="804862"/>
+          </a:xfrm>
+        </p:spPr>
+        <p:txBody>
+          <a:bodyPr/>
+          <a:lstStyle/>
+          <a:p>
+            <a:r>
+              <a:rPr lang="en-GB" dirty="0" smtClean="0"/>
+              <a:t>Plan</a:t>
+            </a:r>
+            <a:endParaRPr lang="en-GB" dirty="0"/>
+          </a:p>
+        </p:txBody>
+      </p:sp>
+    </p:spTree>
+    <p:extLst>
+      <p:ext uri="{BB962C8B-B14F-4D97-AF65-F5344CB8AC3E}">
+        <p14:creationId xmlns:p14="http://schemas.microsoft.com/office/powerpoint/2010/main" val="2010262969"/>
+      </p:ext>
+    </p:extLst>
+  </p:cSld>
+  <p:clrMapOvr>
+    <a:masterClrMapping/>
+  </p:clrMapOvr>
+  <p:timing>
+    <p:tnLst>
+      <p:par>
+        <p:cTn id="1" dur="indefinite" restart="never" nodeType="tmRoot"/>
+      </p:par>
+    </p:tnLst>
+  </p:timing>
+</p:sld>
+</file>
+
+<file path=ppt/slides/slide13.xml><?xml version="1.0" encoding="utf-8"?>
+<p:sld xmlns:a="http://schemas.openxmlformats.org/drawingml/2006/main" xmlns:r="http://schemas.openxmlformats.org/officeDocument/2006/relationships" xmlns:p="http://schemas.openxmlformats.org/presentationml/2006/main">
+  <p:cSld>
+    <p:spTree>
+      <p:nvGrpSpPr>
+        <p:cNvPr id="1" name=""/>
+        <p:cNvGrpSpPr/>
+        <p:nvPr/>
+      </p:nvGrpSpPr>
+      <p:grpSpPr>
+        <a:xfrm>
+          <a:off x="0" y="0"/>
+          <a:ext cx="0" cy="0"/>
+          <a:chOff x="0" y="0"/>
+          <a:chExt cx="0" cy="0"/>
+        </a:xfrm>
+      </p:grpSpPr>
       <p:sp>
         <p:nvSpPr>
           <p:cNvPr id="2" name="Title 1"/>
@@ -7808,7 +8231,41 @@
           <a:bodyPr/>
           <a:lstStyle/>
           <a:p>
-            <a:endParaRPr lang="en-GB"/>
+            <a:r>
+              <a:rPr lang="en-GB" dirty="0"/>
+              <a:t>a</a:t>
+            </a:r>
+            <a:r>
+              <a:rPr lang="en-GB" dirty="0" smtClean="0"/>
+              <a:t>ccepts  complex </a:t>
+            </a:r>
+            <a:r>
+              <a:rPr lang="en-GB" dirty="0"/>
+              <a:t>R</a:t>
+            </a:r>
+            <a:r>
+              <a:rPr lang="en-GB" dirty="0" smtClean="0"/>
+              <a:t>ule Systems</a:t>
+            </a:r>
+            <a:endParaRPr lang="en-GB" dirty="0"/>
+          </a:p>
+          <a:p>
+            <a:endParaRPr lang="en-GB" dirty="0" smtClean="0"/>
+          </a:p>
+          <a:p>
+            <a:r>
+              <a:rPr lang="en-GB" dirty="0" smtClean="0"/>
+              <a:t>takes reasonable time to calculate large number of Observations</a:t>
+            </a:r>
+          </a:p>
+          <a:p>
+            <a:endParaRPr lang="en-GB" dirty="0"/>
+          </a:p>
+          <a:p>
+            <a:r>
+              <a:rPr lang="en-GB" dirty="0" smtClean="0"/>
+              <a:t> ?</a:t>
+            </a:r>
           </a:p>
         </p:txBody>
       </p:sp>
@@ -7916,11 +8373,7 @@
             </a:r>
             <a:r>
               <a:rPr lang="en-GB" dirty="0" smtClean="0"/>
-              <a:t>akes  lots of time to test and find a bug</a:t>
-            </a:r>
-            <a:r>
-              <a:rPr lang="en-GB" dirty="0" smtClean="0"/>
-              <a:t> </a:t>
+              <a:t>akes  lots of time to test and find a bug </a:t>
             </a:r>
             <a:endParaRPr lang="en-GB" dirty="0"/>
           </a:p>
@@ -8488,6 +8941,30 @@
           </a:p>
         </p:txBody>
       </p:sp>
+      <p:pic>
+        <p:nvPicPr>
+          <p:cNvPr id="4" name="Picture 3"/>
+          <p:cNvPicPr>
+            <a:picLocks noChangeAspect="1"/>
+          </p:cNvPicPr>
+          <p:nvPr/>
+        </p:nvPicPr>
+        <p:blipFill>
+          <a:blip r:embed="rId3"/>
+          <a:stretch>
+            <a:fillRect/>
+          </a:stretch>
+        </p:blipFill>
+        <p:spPr>
+          <a:xfrm>
+            <a:off x="836744" y="2733675"/>
+            <a:ext cx="9891127" cy="3040220"/>
+          </a:xfrm>
+          <a:prstGeom prst="rect">
+            <a:avLst/>
+          </a:prstGeom>
+        </p:spPr>
+      </p:pic>
     </p:spTree>
     <p:extLst>
       <p:ext uri="{BB962C8B-B14F-4D97-AF65-F5344CB8AC3E}">
@@ -8592,11 +9069,7 @@
             </a:r>
             <a:r>
               <a:rPr lang="en-GB" dirty="0" smtClean="0"/>
-              <a:t> </a:t>
-            </a:r>
-            <a:r>
-              <a:rPr lang="en-GB" dirty="0" smtClean="0"/>
-              <a:t>Always Open {</a:t>
+              <a:t> Always Open {</a:t>
             </a:r>
           </a:p>
           <a:p>
@@ -9015,7 +9488,7 @@
           <a:p>
             <a:r>
               <a:rPr lang="en-GB" dirty="0" smtClean="0"/>
-              <a:t>Problems</a:t>
+              <a:t>More complex example</a:t>
             </a:r>
             <a:endParaRPr lang="en-GB" dirty="0"/>
           </a:p>
@@ -9023,7 +9496,7 @@
       </p:sp>
       <p:sp>
         <p:nvSpPr>
-          <p:cNvPr id="3" name="Content Placeholder 2"/>
+          <p:cNvPr id="5" name="Content Placeholder 4"/>
           <p:cNvSpPr>
             <a:spLocks noGrp="1"/>
           </p:cNvSpPr>
@@ -9035,15 +9508,6 @@
         <p:txBody>
           <a:bodyPr/>
           <a:lstStyle/>
-          <a:p>
-            <a:r>
-              <a:rPr lang="en-GB" dirty="0" smtClean="0"/>
-              <a:t>Scalability </a:t>
-            </a:r>
-          </a:p>
-          <a:p>
-            <a:endParaRPr lang="en-GB" dirty="0"/>
-          </a:p>
           <a:p>
             <a:endParaRPr lang="en-GB" dirty="0"/>
           </a:p>
@@ -9052,7 +9516,7 @@
     </p:spTree>
     <p:extLst>
       <p:ext uri="{BB962C8B-B14F-4D97-AF65-F5344CB8AC3E}">
-        <p14:creationId xmlns:p14="http://schemas.microsoft.com/office/powerpoint/2010/main" val="430266955"/>
+        <p14:creationId xmlns:p14="http://schemas.microsoft.com/office/powerpoint/2010/main" val="1657566839"/>
       </p:ext>
     </p:extLst>
   </p:cSld>

--- a/Seminar/Rule-Based Runtime Verification Tool.pptx
+++ b/Seminar/Rule-Based Runtime Verification Tool.pptx
@@ -222,7 +222,7 @@
           <a:p>
             <a:fld id="{A0C6D5AA-3C35-4905-9DFE-AD97A8218592}" type="datetimeFigureOut">
               <a:rPr lang="en-GB" smtClean="0"/>
-              <a:t>10/11/2016</a:t>
+              <a:t>16/11/2016</a:t>
             </a:fld>
             <a:endParaRPr lang="en-GB"/>
           </a:p>
@@ -780,145 +780,72 @@
           <a:bodyPr/>
           <a:lstStyle/>
           <a:p>
-            <a:pPr marL="0" marR="0" lvl="0" indent="0" algn="l" defTabSz="914400" rtl="0" eaLnBrk="1" fontAlgn="auto" latinLnBrk="0" hangingPunct="1">
-              <a:lnSpc>
-                <a:spcPct val="100000"/>
-              </a:lnSpc>
-              <a:spcBef>
-                <a:spcPts val="0"/>
-              </a:spcBef>
-              <a:spcAft>
-                <a:spcPts val="0"/>
-              </a:spcAft>
-              <a:buClrTx/>
-              <a:buSzTx/>
-              <a:buFontTx/>
-              <a:buNone/>
-              <a:tabLst/>
-              <a:defRPr/>
-            </a:pPr>
-            <a:r>
-              <a:rPr lang="en-GB" sz="1200" kern="1200" dirty="0" err="1" smtClean="0">
-                <a:solidFill>
-                  <a:schemeClr val="tx1"/>
-                </a:solidFill>
-                <a:effectLst/>
-                <a:latin typeface="+mn-lt"/>
-                <a:ea typeface="+mn-ea"/>
-                <a:cs typeface="+mn-cs"/>
-              </a:rPr>
-              <a:t>RuleR</a:t>
-            </a:r>
-            <a:r>
-              <a:rPr lang="en-GB" sz="1200" kern="1200" dirty="0" smtClean="0">
-                <a:solidFill>
-                  <a:schemeClr val="tx1"/>
-                </a:solidFill>
-                <a:effectLst/>
-                <a:latin typeface="+mn-lt"/>
-                <a:ea typeface="+mn-ea"/>
-                <a:cs typeface="+mn-cs"/>
-              </a:rPr>
-              <a:t> is a rule-based runtime veriﬁcation tool. It consists of a speciﬁcation language and an algorithm. The </a:t>
-            </a:r>
-            <a:r>
-              <a:rPr lang="en-GB" sz="1200" kern="1200" dirty="0" err="1" smtClean="0">
-                <a:solidFill>
-                  <a:schemeClr val="tx1"/>
-                </a:solidFill>
-                <a:effectLst/>
-                <a:latin typeface="+mn-lt"/>
-                <a:ea typeface="+mn-ea"/>
-                <a:cs typeface="+mn-cs"/>
-              </a:rPr>
-              <a:t>RuleR</a:t>
-            </a:r>
-            <a:r>
-              <a:rPr lang="en-GB" sz="1200" kern="1200" dirty="0" smtClean="0">
-                <a:solidFill>
-                  <a:schemeClr val="tx1"/>
-                </a:solidFill>
-                <a:effectLst/>
-                <a:latin typeface="+mn-lt"/>
-                <a:ea typeface="+mn-ea"/>
-                <a:cs typeface="+mn-cs"/>
-              </a:rPr>
-              <a:t> language allows the user to deﬁne properties in terms of parameterised conditional rules. The language is very powerful and complex. Howard </a:t>
-            </a:r>
-            <a:r>
-              <a:rPr lang="en-GB" sz="1200" kern="1200" dirty="0" err="1" smtClean="0">
-                <a:solidFill>
-                  <a:schemeClr val="tx1"/>
-                </a:solidFill>
-                <a:effectLst/>
-                <a:latin typeface="+mn-lt"/>
-                <a:ea typeface="+mn-ea"/>
-                <a:cs typeface="+mn-cs"/>
-              </a:rPr>
-              <a:t>Barringer</a:t>
-            </a:r>
-            <a:r>
-              <a:rPr lang="en-GB" sz="1200" kern="1200" dirty="0" smtClean="0">
-                <a:solidFill>
-                  <a:schemeClr val="tx1"/>
-                </a:solidFill>
-                <a:effectLst/>
-                <a:latin typeface="+mn-lt"/>
-                <a:ea typeface="+mn-ea"/>
-                <a:cs typeface="+mn-cs"/>
-              </a:rPr>
-              <a:t> , David </a:t>
-            </a:r>
-            <a:r>
-              <a:rPr lang="en-GB" sz="1200" kern="1200" dirty="0" err="1" smtClean="0">
-                <a:solidFill>
-                  <a:schemeClr val="tx1"/>
-                </a:solidFill>
-                <a:effectLst/>
-                <a:latin typeface="+mn-lt"/>
-                <a:ea typeface="+mn-ea"/>
-                <a:cs typeface="+mn-cs"/>
-              </a:rPr>
-              <a:t>Rydeheard</a:t>
-            </a:r>
-            <a:r>
-              <a:rPr lang="en-GB" sz="1200" kern="1200" dirty="0" smtClean="0">
-                <a:solidFill>
-                  <a:schemeClr val="tx1"/>
-                </a:solidFill>
-                <a:effectLst/>
-                <a:latin typeface="+mn-lt"/>
-                <a:ea typeface="+mn-ea"/>
-                <a:cs typeface="+mn-cs"/>
-              </a:rPr>
-              <a:t>, and Klaus </a:t>
-            </a:r>
-            <a:r>
-              <a:rPr lang="en-GB" sz="1200" kern="1200" dirty="0" err="1" smtClean="0">
-                <a:solidFill>
-                  <a:schemeClr val="tx1"/>
-                </a:solidFill>
-                <a:effectLst/>
-                <a:latin typeface="+mn-lt"/>
-                <a:ea typeface="+mn-ea"/>
-                <a:cs typeface="+mn-cs"/>
-              </a:rPr>
-              <a:t>Havelund</a:t>
-            </a:r>
-            <a:r>
-              <a:rPr lang="en-GB" sz="1200" kern="1200" dirty="0" smtClean="0">
-                <a:solidFill>
-                  <a:schemeClr val="tx1"/>
-                </a:solidFill>
-                <a:effectLst/>
-                <a:latin typeface="+mn-lt"/>
-                <a:ea typeface="+mn-ea"/>
-                <a:cs typeface="+mn-cs"/>
-              </a:rPr>
-              <a:t> created this language instead of trying to improve EAGLE language.</a:t>
-            </a:r>
-          </a:p>
-          <a:p>
+            <a:r>
+              <a:rPr lang="en-GB" dirty="0" err="1" smtClean="0"/>
+              <a:t>Beep</a:t>
+            </a:r>
+            <a:r>
+              <a:rPr lang="en-GB" baseline="0" dirty="0" err="1" smtClean="0"/>
+              <a:t>Beep</a:t>
+            </a:r>
+            <a:r>
+              <a:rPr lang="en-GB" baseline="0" dirty="0" smtClean="0"/>
+              <a:t> – gaming testing</a:t>
+            </a:r>
+          </a:p>
+          <a:p>
+            <a:r>
+              <a:rPr lang="en-GB" baseline="0" dirty="0" smtClean="0"/>
+              <a:t>Larva – financial services</a:t>
+            </a:r>
+          </a:p>
+          <a:p>
+            <a:r>
+              <a:rPr lang="en-GB" baseline="0" dirty="0" err="1" smtClean="0"/>
+              <a:t>Mufin</a:t>
+            </a:r>
+            <a:r>
+              <a:rPr lang="en-GB" baseline="0" dirty="0" smtClean="0"/>
+              <a:t> – </a:t>
+            </a:r>
+            <a:r>
+              <a:rPr lang="en-GB" baseline="0" dirty="0" err="1" smtClean="0"/>
+              <a:t>medicen</a:t>
+            </a:r>
+            <a:r>
+              <a:rPr lang="en-GB" baseline="0" dirty="0" smtClean="0"/>
+              <a:t> </a:t>
+            </a:r>
+          </a:p>
+          <a:p>
+            <a:r>
+              <a:rPr lang="en-GB" baseline="0" dirty="0" smtClean="0"/>
+              <a:t>E-</a:t>
+            </a:r>
+            <a:r>
+              <a:rPr lang="en-GB" baseline="0" dirty="0" err="1" smtClean="0"/>
+              <a:t>acsl</a:t>
+            </a:r>
+            <a:r>
+              <a:rPr lang="en-GB" baseline="0" dirty="0" smtClean="0"/>
+              <a:t> </a:t>
+            </a:r>
+            <a:r>
+              <a:rPr lang="en-GB" baseline="0" dirty="0" err="1" smtClean="0"/>
+              <a:t>javaMop</a:t>
+            </a:r>
+            <a:r>
+              <a:rPr lang="en-GB" baseline="0" dirty="0" smtClean="0"/>
+              <a:t>, </a:t>
+            </a:r>
+            <a:r>
+              <a:rPr lang="en-GB" baseline="0" dirty="0" err="1" smtClean="0"/>
+              <a:t>MarQ</a:t>
+            </a:r>
+            <a:r>
+              <a:rPr lang="en-GB" baseline="0" dirty="0" smtClean="0"/>
+              <a:t> - software</a:t>
+            </a:r>
             <a:endParaRPr lang="en-GB" dirty="0"/>
           </a:p>
         </p:txBody>
@@ -940,7 +867,7 @@
           <a:p>
             <a:fld id="{23428444-63B1-4301-AC3C-CE9B26C204F0}" type="slidenum">
               <a:rPr lang="en-GB" smtClean="0"/>
-              <a:t>5</a:t>
+              <a:t>4</a:t>
             </a:fld>
             <a:endParaRPr lang="en-GB"/>
           </a:p>
@@ -949,7 +876,7 @@
     </p:spTree>
     <p:extLst>
       <p:ext uri="{BB962C8B-B14F-4D97-AF65-F5344CB8AC3E}">
-        <p14:creationId xmlns:p14="http://schemas.microsoft.com/office/powerpoint/2010/main" val="1407915184"/>
+        <p14:creationId xmlns:p14="http://schemas.microsoft.com/office/powerpoint/2010/main" val="2599141762"/>
       </p:ext>
     </p:extLst>
   </p:cSld>
@@ -1030,27 +957,20 @@
                 <a:ea typeface="+mn-ea"/>
                 <a:cs typeface="+mn-cs"/>
               </a:rPr>
-              <a:t>The core of a RULER rule system is a collection of named rules. A rule is formed from a condition part (antecedent) and a body part (consequent). A rule gets activated for the next evaluation step, then gets used and automatically deactivated. Rules have modifiers and extra modifiers.</a:t>
-            </a:r>
-          </a:p>
-          <a:p>
-            <a:pPr marL="0" marR="0" lvl="0" indent="0" algn="l" defTabSz="914400" rtl="0" eaLnBrk="1" fontAlgn="auto" latinLnBrk="0" hangingPunct="1">
-              <a:lnSpc>
-                <a:spcPct val="100000"/>
-              </a:lnSpc>
-              <a:spcBef>
-                <a:spcPts val="0"/>
-              </a:spcBef>
-              <a:spcAft>
-                <a:spcPts val="0"/>
-              </a:spcAft>
-              <a:buClrTx/>
-              <a:buSzTx/>
-              <a:buFontTx/>
-              <a:buNone/>
-              <a:tabLst/>
-              <a:defRPr/>
-            </a:pPr>
+              <a:t>RuleR is a rule-based runtime veriﬁcation tool. It consists of a speciﬁcation language and an algorithm. The RuleR language allows the user to deﬁne properties in terms of parameterised conditional rules. The language is very powerful and complex. Howard </a:t>
+            </a:r>
+            <a:r>
+              <a:rPr lang="en-GB" sz="1200" kern="1200" dirty="0" err="1" smtClean="0">
+                <a:solidFill>
+                  <a:schemeClr val="tx1"/>
+                </a:solidFill>
+                <a:effectLst/>
+                <a:latin typeface="+mn-lt"/>
+                <a:ea typeface="+mn-ea"/>
+                <a:cs typeface="+mn-cs"/>
+              </a:rPr>
+              <a:t>Barringer</a:t>
+            </a:r>
             <a:r>
               <a:rPr lang="en-GB" sz="1200" kern="1200" dirty="0" smtClean="0">
                 <a:solidFill>
@@ -1061,10 +981,10 @@
                 <a:ea typeface="+mn-ea"/>
                 <a:cs typeface="+mn-cs"/>
               </a:rPr>
-              <a:t>Always</a:t>
-            </a:r>
-            <a:r>
-              <a:rPr lang="en-GB" sz="1200" kern="1200" baseline="0" dirty="0" smtClean="0">
+              <a:t> , David </a:t>
+            </a:r>
+            <a:r>
+              <a:rPr lang="en-GB" sz="1200" kern="1200" dirty="0" err="1" smtClean="0">
                 <a:solidFill>
                   <a:schemeClr val="tx1"/>
                 </a:solidFill>
@@ -1073,10 +993,10 @@
                 <a:ea typeface="+mn-ea"/>
                 <a:cs typeface="+mn-cs"/>
               </a:rPr>
-              <a:t> – states that this rule will be active all the time, State – tells system that this rule will be active only one time and will be deleted after it was fired, while Step – is a rule which will be deleted after any step in program no matter if this was fired or not.</a:t>
-            </a:r>
-            <a:br>
-              <a:rPr lang="en-GB" sz="1200" kern="1200" baseline="0" dirty="0" smtClean="0">
+              <a:t>Rydeheard</a:t>
+            </a:r>
+            <a:r>
+              <a:rPr lang="en-GB" sz="1200" kern="1200" dirty="0" smtClean="0">
                 <a:solidFill>
                   <a:schemeClr val="tx1"/>
                 </a:solidFill>
@@ -1085,9 +1005,10 @@
                 <a:ea typeface="+mn-ea"/>
                 <a:cs typeface="+mn-cs"/>
               </a:rPr>
-            </a:br>
-            <a:r>
-              <a:rPr lang="en-GB" sz="1200" kern="1200" baseline="0" dirty="0" smtClean="0">
+              <a:t>, and Klaus </a:t>
+            </a:r>
+            <a:r>
+              <a:rPr lang="en-GB" sz="1200" kern="1200" dirty="0" err="1" smtClean="0">
                 <a:solidFill>
                   <a:schemeClr val="tx1"/>
                 </a:solidFill>
@@ -1096,17 +1017,20 @@
                 <a:ea typeface="+mn-ea"/>
                 <a:cs typeface="+mn-cs"/>
               </a:rPr>
-              <a:t>Start - ? , Assert - ?, Forbidden - ?</a:t>
-            </a:r>
-            <a:endParaRPr lang="en-GB" sz="1200" kern="1200" dirty="0" smtClean="0">
-              <a:solidFill>
-                <a:schemeClr val="tx1"/>
-              </a:solidFill>
-              <a:effectLst/>
-              <a:latin typeface="+mn-lt"/>
-              <a:ea typeface="+mn-ea"/>
-              <a:cs typeface="+mn-cs"/>
-            </a:endParaRPr>
+              <a:t>Havelund</a:t>
+            </a:r>
+            <a:r>
+              <a:rPr lang="en-GB" sz="1200" kern="1200" dirty="0" smtClean="0">
+                <a:solidFill>
+                  <a:schemeClr val="tx1"/>
+                </a:solidFill>
+                <a:effectLst/>
+                <a:latin typeface="+mn-lt"/>
+                <a:ea typeface="+mn-ea"/>
+                <a:cs typeface="+mn-cs"/>
+              </a:rPr>
+              <a:t> created this language instead of trying to improve EAGLE language.</a:t>
+            </a:r>
           </a:p>
           <a:p>
             <a:endParaRPr lang="en-GB" dirty="0"/>
@@ -1130,7 +1054,7 @@
           <a:p>
             <a:fld id="{23428444-63B1-4301-AC3C-CE9B26C204F0}" type="slidenum">
               <a:rPr lang="en-GB" smtClean="0"/>
-              <a:t>6</a:t>
+              <a:t>5</a:t>
             </a:fld>
             <a:endParaRPr lang="en-GB"/>
           </a:p>
@@ -1139,7 +1063,7 @@
     </p:spTree>
     <p:extLst>
       <p:ext uri="{BB962C8B-B14F-4D97-AF65-F5344CB8AC3E}">
-        <p14:creationId xmlns:p14="http://schemas.microsoft.com/office/powerpoint/2010/main" val="1123228702"/>
+        <p14:creationId xmlns:p14="http://schemas.microsoft.com/office/powerpoint/2010/main" val="1407915184"/>
       </p:ext>
     </p:extLst>
   </p:cSld>
@@ -1193,6 +1117,112 @@
           <a:bodyPr/>
           <a:lstStyle/>
           <a:p>
+            <a:pPr marL="0" marR="0" lvl="0" indent="0" algn="l" defTabSz="914400" rtl="0" eaLnBrk="1" fontAlgn="auto" latinLnBrk="0" hangingPunct="1">
+              <a:lnSpc>
+                <a:spcPct val="100000"/>
+              </a:lnSpc>
+              <a:spcBef>
+                <a:spcPts val="0"/>
+              </a:spcBef>
+              <a:spcAft>
+                <a:spcPts val="0"/>
+              </a:spcAft>
+              <a:buClrTx/>
+              <a:buSzTx/>
+              <a:buFontTx/>
+              <a:buNone/>
+              <a:tabLst/>
+              <a:defRPr/>
+            </a:pPr>
+            <a:r>
+              <a:rPr lang="en-GB" sz="1200" kern="1200" dirty="0" smtClean="0">
+                <a:solidFill>
+                  <a:schemeClr val="tx1"/>
+                </a:solidFill>
+                <a:effectLst/>
+                <a:latin typeface="+mn-lt"/>
+                <a:ea typeface="+mn-ea"/>
+                <a:cs typeface="+mn-cs"/>
+              </a:rPr>
+              <a:t>The core of a RULER rule system is a collection of named rules. A rule is formed from a condition part (antecedent) and a body part (consequent). A rule gets activated for the next evaluation step, then gets used and automatically deactivated. Rules have modifiers and extra modifiers.</a:t>
+            </a:r>
+          </a:p>
+          <a:p>
+            <a:pPr marL="0" marR="0" lvl="0" indent="0" algn="l" defTabSz="914400" rtl="0" eaLnBrk="1" fontAlgn="auto" latinLnBrk="0" hangingPunct="1">
+              <a:lnSpc>
+                <a:spcPct val="100000"/>
+              </a:lnSpc>
+              <a:spcBef>
+                <a:spcPts val="0"/>
+              </a:spcBef>
+              <a:spcAft>
+                <a:spcPts val="0"/>
+              </a:spcAft>
+              <a:buClrTx/>
+              <a:buSzTx/>
+              <a:buFontTx/>
+              <a:buNone/>
+              <a:tabLst/>
+              <a:defRPr/>
+            </a:pPr>
+            <a:r>
+              <a:rPr lang="en-GB" sz="1200" kern="1200" dirty="0" smtClean="0">
+                <a:solidFill>
+                  <a:schemeClr val="tx1"/>
+                </a:solidFill>
+                <a:effectLst/>
+                <a:latin typeface="+mn-lt"/>
+                <a:ea typeface="+mn-ea"/>
+                <a:cs typeface="+mn-cs"/>
+              </a:rPr>
+              <a:t>Always</a:t>
+            </a:r>
+            <a:r>
+              <a:rPr lang="en-GB" sz="1200" kern="1200" baseline="0" dirty="0" smtClean="0">
+                <a:solidFill>
+                  <a:schemeClr val="tx1"/>
+                </a:solidFill>
+                <a:effectLst/>
+                <a:latin typeface="+mn-lt"/>
+                <a:ea typeface="+mn-ea"/>
+                <a:cs typeface="+mn-cs"/>
+              </a:rPr>
+              <a:t> – states that this rule will be active all the time, State – tells system that this rule will be active only one time and will be deleted after it was fired, while Step – is a rule which will be deleted after any step in program no matter if this was fired or not.</a:t>
+            </a:r>
+            <a:br>
+              <a:rPr lang="en-GB" sz="1200" kern="1200" baseline="0" dirty="0" smtClean="0">
+                <a:solidFill>
+                  <a:schemeClr val="tx1"/>
+                </a:solidFill>
+                <a:effectLst/>
+                <a:latin typeface="+mn-lt"/>
+                <a:ea typeface="+mn-ea"/>
+                <a:cs typeface="+mn-cs"/>
+              </a:rPr>
+            </a:br>
+            <a:r>
+              <a:rPr lang="en-GB" sz="1200" kern="1200" baseline="0" dirty="0" smtClean="0">
+                <a:solidFill>
+                  <a:schemeClr val="tx1"/>
+                </a:solidFill>
+                <a:effectLst/>
+                <a:latin typeface="+mn-lt"/>
+                <a:ea typeface="+mn-ea"/>
+                <a:cs typeface="+mn-cs"/>
+              </a:rPr>
+              <a:t>Start - ? , Assert – syntactic sugar, which helps to write specifications easier. If the rule is not triggered then it will return false, Forbidden – you can forbid system to finish inside that state(rule)</a:t>
+            </a:r>
+            <a:endParaRPr lang="en-GB" sz="1200" kern="1200" dirty="0" smtClean="0">
+              <a:solidFill>
+                <a:schemeClr val="tx1"/>
+              </a:solidFill>
+              <a:effectLst/>
+              <a:latin typeface="+mn-lt"/>
+              <a:ea typeface="+mn-ea"/>
+              <a:cs typeface="+mn-cs"/>
+            </a:endParaRPr>
+          </a:p>
+          <a:p>
             <a:endParaRPr lang="en-GB" dirty="0"/>
           </a:p>
         </p:txBody>
@@ -1214,7 +1244,7 @@
           <a:p>
             <a:fld id="{23428444-63B1-4301-AC3C-CE9B26C204F0}" type="slidenum">
               <a:rPr lang="en-GB" smtClean="0"/>
-              <a:t>7</a:t>
+              <a:t>6</a:t>
             </a:fld>
             <a:endParaRPr lang="en-GB"/>
           </a:p>
@@ -1223,7 +1253,7 @@
     </p:spTree>
     <p:extLst>
       <p:ext uri="{BB962C8B-B14F-4D97-AF65-F5344CB8AC3E}">
-        <p14:creationId xmlns:p14="http://schemas.microsoft.com/office/powerpoint/2010/main" val="3792755588"/>
+        <p14:creationId xmlns:p14="http://schemas.microsoft.com/office/powerpoint/2010/main" val="1123228702"/>
       </p:ext>
     </p:extLst>
   </p:cSld>
@@ -1278,6 +1308,98 @@
           <a:lstStyle/>
           <a:p>
             <a:r>
+              <a:rPr lang="en-GB" dirty="0" smtClean="0"/>
+              <a:t>Decision can</a:t>
+            </a:r>
+            <a:r>
+              <a:rPr lang="en-GB" baseline="0" dirty="0" smtClean="0"/>
+              <a:t> be {true, false, still true, still false}</a:t>
+            </a:r>
+            <a:endParaRPr lang="en-GB" dirty="0"/>
+          </a:p>
+        </p:txBody>
+      </p:sp>
+      <p:sp>
+        <p:nvSpPr>
+          <p:cNvPr id="4" name="Slide Number Placeholder 3"/>
+          <p:cNvSpPr>
+            <a:spLocks noGrp="1"/>
+          </p:cNvSpPr>
+          <p:nvPr>
+            <p:ph type="sldNum" sz="quarter" idx="10"/>
+          </p:nvPr>
+        </p:nvSpPr>
+        <p:spPr/>
+        <p:txBody>
+          <a:bodyPr/>
+          <a:lstStyle/>
+          <a:p>
+            <a:fld id="{23428444-63B1-4301-AC3C-CE9B26C204F0}" type="slidenum">
+              <a:rPr lang="en-GB" smtClean="0"/>
+              <a:t>7</a:t>
+            </a:fld>
+            <a:endParaRPr lang="en-GB"/>
+          </a:p>
+        </p:txBody>
+      </p:sp>
+    </p:spTree>
+    <p:extLst>
+      <p:ext uri="{BB962C8B-B14F-4D97-AF65-F5344CB8AC3E}">
+        <p14:creationId xmlns:p14="http://schemas.microsoft.com/office/powerpoint/2010/main" val="3792755588"/>
+      </p:ext>
+    </p:extLst>
+  </p:cSld>
+  <p:clrMapOvr>
+    <a:masterClrMapping/>
+  </p:clrMapOvr>
+</p:notes>
+</file>
+
+<file path=ppt/notesSlides/notesSlide7.xml><?xml version="1.0" encoding="utf-8"?>
+<p:notes xmlns:a="http://schemas.openxmlformats.org/drawingml/2006/main" xmlns:r="http://schemas.openxmlformats.org/officeDocument/2006/relationships" xmlns:p="http://schemas.openxmlformats.org/presentationml/2006/main">
+  <p:cSld>
+    <p:spTree>
+      <p:nvGrpSpPr>
+        <p:cNvPr id="1" name=""/>
+        <p:cNvGrpSpPr/>
+        <p:nvPr/>
+      </p:nvGrpSpPr>
+      <p:grpSpPr>
+        <a:xfrm>
+          <a:off x="0" y="0"/>
+          <a:ext cx="0" cy="0"/>
+          <a:chOff x="0" y="0"/>
+          <a:chExt cx="0" cy="0"/>
+        </a:xfrm>
+      </p:grpSpPr>
+      <p:sp>
+        <p:nvSpPr>
+          <p:cNvPr id="2" name="Slide Image Placeholder 1"/>
+          <p:cNvSpPr>
+            <a:spLocks noGrp="1" noRot="1" noChangeAspect="1"/>
+          </p:cNvSpPr>
+          <p:nvPr>
+            <p:ph type="sldImg"/>
+          </p:nvPr>
+        </p:nvSpPr>
+        <p:spPr/>
+      </p:sp>
+      <p:sp>
+        <p:nvSpPr>
+          <p:cNvPr id="3" name="Notes Placeholder 2"/>
+          <p:cNvSpPr>
+            <a:spLocks noGrp="1"/>
+          </p:cNvSpPr>
+          <p:nvPr>
+            <p:ph type="body" idx="1"/>
+          </p:nvPr>
+        </p:nvSpPr>
+        <p:spPr/>
+        <p:txBody>
+          <a:bodyPr/>
+          <a:lstStyle/>
+          <a:p>
+            <a:r>
               <a:rPr lang="en-GB" sz="1200" b="1" kern="1200" dirty="0" smtClean="0">
                 <a:solidFill>
                   <a:schemeClr val="tx1"/>
@@ -1299,31 +1421,7 @@
                 <a:ea typeface="+mn-ea"/>
                 <a:cs typeface="+mn-cs"/>
               </a:rPr>
-              <a:t> A monitoring tool needs to take as input both a specification and some observations about a monitored system. For the specification it needs to provide usable parsing for </a:t>
-            </a:r>
-            <a:r>
-              <a:rPr lang="en-GB" sz="1200" kern="1200" dirty="0" err="1" smtClean="0">
-                <a:solidFill>
-                  <a:schemeClr val="tx1"/>
-                </a:solidFill>
-                <a:effectLst/>
-                <a:latin typeface="+mn-lt"/>
-                <a:ea typeface="+mn-ea"/>
-                <a:cs typeface="+mn-cs"/>
-              </a:rPr>
-              <a:t>RuleR</a:t>
-            </a:r>
-            <a:r>
-              <a:rPr lang="en-GB" sz="1200" kern="1200" dirty="0" smtClean="0">
-                <a:solidFill>
-                  <a:schemeClr val="tx1"/>
-                </a:solidFill>
-                <a:effectLst/>
-                <a:latin typeface="+mn-lt"/>
-                <a:ea typeface="+mn-ea"/>
-                <a:cs typeface="+mn-cs"/>
-              </a:rPr>
-              <a:t> specifications. For the observations it will need to interface with instrumentation techniques (such as AspectJ) and parse log files for offline monitoring. </a:t>
+              <a:t> A monitoring tool needs to take as input both a specification and some observations about a monitored system. For the specification it needs to provide usable parsing for RuleR specifications. For the observations it will need to interface with instrumentation techniques (such as AspectJ) and parse log files for offline monitoring. </a:t>
             </a:r>
             <a:r>
               <a:rPr lang="en-GB" sz="1200" b="1" kern="1200" dirty="0" smtClean="0">
@@ -1371,31 +1469,7 @@
                 <a:ea typeface="+mn-ea"/>
                 <a:cs typeface="+mn-cs"/>
               </a:rPr>
-              <a:t>There are possible extensions to the </a:t>
-            </a:r>
-            <a:r>
-              <a:rPr lang="en-GB" sz="1200" kern="1200" dirty="0" err="1" smtClean="0">
-                <a:solidFill>
-                  <a:schemeClr val="tx1"/>
-                </a:solidFill>
-                <a:effectLst/>
-                <a:latin typeface="+mn-lt"/>
-                <a:ea typeface="+mn-ea"/>
-                <a:cs typeface="+mn-cs"/>
-              </a:rPr>
-              <a:t>RuleR</a:t>
-            </a:r>
-            <a:r>
-              <a:rPr lang="en-GB" sz="1200" kern="1200" dirty="0" smtClean="0">
-                <a:solidFill>
-                  <a:schemeClr val="tx1"/>
-                </a:solidFill>
-                <a:effectLst/>
-                <a:latin typeface="+mn-lt"/>
-                <a:ea typeface="+mn-ea"/>
-                <a:cs typeface="+mn-cs"/>
-              </a:rPr>
-              <a:t> language that could be supported by extensions to the monitoring algorithm. For example, using arithmetic or data structures within rules. This part would look at the (theoretical) language extension and how to extend the monitoring algorithm.</a:t>
+              <a:t>There are possible extensions to the RuleR language that could be supported by extensions to the monitoring algorithm. For example, using arithmetic or data structures within rules. This part would look at the (theoretical) language extension and how to extend the monitoring algorithm.</a:t>
             </a:r>
             <a:endParaRPr lang="en-GB" dirty="0"/>
           </a:p>
@@ -1428,6 +1502,90 @@
     <p:extLst>
       <p:ext uri="{BB962C8B-B14F-4D97-AF65-F5344CB8AC3E}">
         <p14:creationId xmlns:p14="http://schemas.microsoft.com/office/powerpoint/2010/main" val="2303108785"/>
+      </p:ext>
+    </p:extLst>
+  </p:cSld>
+  <p:clrMapOvr>
+    <a:masterClrMapping/>
+  </p:clrMapOvr>
+</p:notes>
+</file>
+
+<file path=ppt/notesSlides/notesSlide8.xml><?xml version="1.0" encoding="utf-8"?>
+<p:notes xmlns:a="http://schemas.openxmlformats.org/drawingml/2006/main" xmlns:r="http://schemas.openxmlformats.org/officeDocument/2006/relationships" xmlns:p="http://schemas.openxmlformats.org/presentationml/2006/main">
+  <p:cSld>
+    <p:spTree>
+      <p:nvGrpSpPr>
+        <p:cNvPr id="1" name=""/>
+        <p:cNvGrpSpPr/>
+        <p:nvPr/>
+      </p:nvGrpSpPr>
+      <p:grpSpPr>
+        <a:xfrm>
+          <a:off x="0" y="0"/>
+          <a:ext cx="0" cy="0"/>
+          <a:chOff x="0" y="0"/>
+          <a:chExt cx="0" cy="0"/>
+        </a:xfrm>
+      </p:grpSpPr>
+      <p:sp>
+        <p:nvSpPr>
+          <p:cNvPr id="2" name="Slide Image Placeholder 1"/>
+          <p:cNvSpPr>
+            <a:spLocks noGrp="1" noRot="1" noChangeAspect="1"/>
+          </p:cNvSpPr>
+          <p:nvPr>
+            <p:ph type="sldImg"/>
+          </p:nvPr>
+        </p:nvSpPr>
+        <p:spPr/>
+      </p:sp>
+      <p:sp>
+        <p:nvSpPr>
+          <p:cNvPr id="3" name="Notes Placeholder 2"/>
+          <p:cNvSpPr>
+            <a:spLocks noGrp="1"/>
+          </p:cNvSpPr>
+          <p:nvPr>
+            <p:ph type="body" idx="1"/>
+          </p:nvPr>
+        </p:nvSpPr>
+        <p:spPr/>
+        <p:txBody>
+          <a:bodyPr/>
+          <a:lstStyle/>
+          <a:p>
+            <a:endParaRPr lang="en-GB" dirty="0"/>
+          </a:p>
+        </p:txBody>
+      </p:sp>
+      <p:sp>
+        <p:nvSpPr>
+          <p:cNvPr id="4" name="Slide Number Placeholder 3"/>
+          <p:cNvSpPr>
+            <a:spLocks noGrp="1"/>
+          </p:cNvSpPr>
+          <p:nvPr>
+            <p:ph type="sldNum" sz="quarter" idx="10"/>
+          </p:nvPr>
+        </p:nvSpPr>
+        <p:spPr/>
+        <p:txBody>
+          <a:bodyPr/>
+          <a:lstStyle/>
+          <a:p>
+            <a:fld id="{23428444-63B1-4301-AC3C-CE9B26C204F0}" type="slidenum">
+              <a:rPr lang="en-GB" smtClean="0"/>
+              <a:t>13</a:t>
+            </a:fld>
+            <a:endParaRPr lang="en-GB"/>
+          </a:p>
+        </p:txBody>
+      </p:sp>
+    </p:spTree>
+    <p:extLst>
+      <p:ext uri="{BB962C8B-B14F-4D97-AF65-F5344CB8AC3E}">
+        <p14:creationId xmlns:p14="http://schemas.microsoft.com/office/powerpoint/2010/main" val="1377037502"/>
       </p:ext>
     </p:extLst>
   </p:cSld>
@@ -1718,9 +1876,9 @@
           <a:bodyPr/>
           <a:lstStyle/>
           <a:p>
-            <a:fld id="{0B9C70C9-9C08-412B-815E-173E5167EC12}" type="datetimeFigureOut">
+            <a:fld id="{62ECD95E-B1E0-4EAA-A84E-A1C8C13579BF}" type="datetime1">
               <a:rPr lang="en-GB" smtClean="0"/>
-              <a:t>10/11/2016</a:t>
+              <a:t>16/11/2016</a:t>
             </a:fld>
             <a:endParaRPr lang="en-GB"/>
           </a:p>
@@ -1914,9 +2072,9 @@
           <a:bodyPr/>
           <a:lstStyle/>
           <a:p>
-            <a:fld id="{0B9C70C9-9C08-412B-815E-173E5167EC12}" type="datetimeFigureOut">
+            <a:fld id="{32455C49-564D-4E05-A4B4-FC6BD59C7F66}" type="datetime1">
               <a:rPr lang="en-GB" smtClean="0"/>
-              <a:t>10/11/2016</a:t>
+              <a:t>16/11/2016</a:t>
             </a:fld>
             <a:endParaRPr lang="en-GB"/>
           </a:p>
@@ -2305,9 +2463,9 @@
           <a:bodyPr/>
           <a:lstStyle/>
           <a:p>
-            <a:fld id="{0B9C70C9-9C08-412B-815E-173E5167EC12}" type="datetimeFigureOut">
+            <a:fld id="{3D0D46F0-4F97-434B-B8C5-9F39F7B3FEED}" type="datetime1">
               <a:rPr lang="en-GB" smtClean="0"/>
-              <a:t>10/11/2016</a:t>
+              <a:t>16/11/2016</a:t>
             </a:fld>
             <a:endParaRPr lang="en-GB"/>
           </a:p>
@@ -2574,9 +2732,9 @@
           <a:bodyPr/>
           <a:lstStyle/>
           <a:p>
-            <a:fld id="{0B9C70C9-9C08-412B-815E-173E5167EC12}" type="datetimeFigureOut">
+            <a:fld id="{7A165E1E-BDDB-4460-9B53-776BDADD548E}" type="datetime1">
               <a:rPr lang="en-GB" smtClean="0"/>
-              <a:t>10/11/2016</a:t>
+              <a:t>16/11/2016</a:t>
             </a:fld>
             <a:endParaRPr lang="en-GB"/>
           </a:p>
@@ -2829,9 +2987,9 @@
           <a:bodyPr/>
           <a:lstStyle/>
           <a:p>
-            <a:fld id="{0B9C70C9-9C08-412B-815E-173E5167EC12}" type="datetimeFigureOut">
+            <a:fld id="{757BCD2F-D1EA-417D-B3CB-1A64DFD78F3E}" type="datetime1">
               <a:rPr lang="en-GB" smtClean="0"/>
-              <a:t>10/11/2016</a:t>
+              <a:t>16/11/2016</a:t>
             </a:fld>
             <a:endParaRPr lang="en-GB"/>
           </a:p>
@@ -3219,9 +3377,9 @@
           <a:bodyPr/>
           <a:lstStyle/>
           <a:p>
-            <a:fld id="{0B9C70C9-9C08-412B-815E-173E5167EC12}" type="datetimeFigureOut">
+            <a:fld id="{569AA89C-E233-4F2B-8646-5EC4F9D604F7}" type="datetime1">
               <a:rPr lang="en-GB" smtClean="0"/>
-              <a:t>10/11/2016</a:t>
+              <a:t>16/11/2016</a:t>
             </a:fld>
             <a:endParaRPr lang="en-GB"/>
           </a:p>
@@ -3353,9 +3511,9 @@
           <a:bodyPr/>
           <a:lstStyle/>
           <a:p>
-            <a:fld id="{0B9C70C9-9C08-412B-815E-173E5167EC12}" type="datetimeFigureOut">
+            <a:fld id="{AE39B410-F4DE-47BE-9034-D5BD54EA4FF8}" type="datetime1">
               <a:rPr lang="en-GB" smtClean="0"/>
-              <a:t>10/11/2016</a:t>
+              <a:t>16/11/2016</a:t>
             </a:fld>
             <a:endParaRPr lang="en-GB"/>
           </a:p>
@@ -3464,9 +3622,9 @@
           <a:bodyPr/>
           <a:lstStyle/>
           <a:p>
-            <a:fld id="{0B9C70C9-9C08-412B-815E-173E5167EC12}" type="datetimeFigureOut">
+            <a:fld id="{05B10D95-610A-4152-A991-A2389886793B}" type="datetime1">
               <a:rPr lang="en-GB" smtClean="0"/>
-              <a:t>10/11/2016</a:t>
+              <a:t>16/11/2016</a:t>
             </a:fld>
             <a:endParaRPr lang="en-GB"/>
           </a:p>
@@ -3757,9 +3915,9 @@
           <a:bodyPr/>
           <a:lstStyle/>
           <a:p>
-            <a:fld id="{0B9C70C9-9C08-412B-815E-173E5167EC12}" type="datetimeFigureOut">
+            <a:fld id="{83304CFD-7DD6-417E-99E0-3AF64560F105}" type="datetime1">
               <a:rPr lang="en-GB" smtClean="0"/>
-              <a:t>10/11/2016</a:t>
+              <a:t>16/11/2016</a:t>
             </a:fld>
             <a:endParaRPr lang="en-GB"/>
           </a:p>
@@ -3975,9 +4133,9 @@
           <a:bodyPr/>
           <a:lstStyle/>
           <a:p>
-            <a:fld id="{0B9C70C9-9C08-412B-815E-173E5167EC12}" type="datetimeFigureOut">
+            <a:fld id="{A3834078-3FA5-4411-B1F4-AEF4B3D81D94}" type="datetime1">
               <a:rPr lang="en-GB" smtClean="0"/>
-              <a:t>10/11/2016</a:t>
+              <a:t>16/11/2016</a:t>
             </a:fld>
             <a:endParaRPr lang="en-GB"/>
           </a:p>
@@ -4251,9 +4409,9 @@
           <a:bodyPr/>
           <a:lstStyle/>
           <a:p>
-            <a:fld id="{0B9C70C9-9C08-412B-815E-173E5167EC12}" type="datetimeFigureOut">
+            <a:fld id="{7E920659-5C54-480C-8C04-581074B1319B}" type="datetime1">
               <a:rPr lang="en-GB" smtClean="0"/>
-              <a:t>10/11/2016</a:t>
+              <a:t>16/11/2016</a:t>
             </a:fld>
             <a:endParaRPr lang="en-GB"/>
           </a:p>
@@ -4437,9 +4595,9 @@
           <a:bodyPr/>
           <a:lstStyle/>
           <a:p>
-            <a:fld id="{0B9C70C9-9C08-412B-815E-173E5167EC12}" type="datetimeFigureOut">
+            <a:fld id="{FD51E541-9FE9-46E3-93EC-ECE78401A3B7}" type="datetime1">
               <a:rPr lang="en-GB" smtClean="0"/>
-              <a:t>10/11/2016</a:t>
+              <a:t>16/11/2016</a:t>
             </a:fld>
             <a:endParaRPr lang="en-GB"/>
           </a:p>
@@ -4633,9 +4791,9 @@
           <a:bodyPr/>
           <a:lstStyle/>
           <a:p>
-            <a:fld id="{0B9C70C9-9C08-412B-815E-173E5167EC12}" type="datetimeFigureOut">
+            <a:fld id="{EDC4CEEF-1C34-4653-A7BF-356FD6D3C029}" type="datetime1">
               <a:rPr lang="en-GB" smtClean="0"/>
-              <a:t>10/11/2016</a:t>
+              <a:t>16/11/2016</a:t>
             </a:fld>
             <a:endParaRPr lang="en-GB"/>
           </a:p>
@@ -4902,9 +5060,9 @@
           <a:bodyPr/>
           <a:lstStyle/>
           <a:p>
-            <a:fld id="{0B9C70C9-9C08-412B-815E-173E5167EC12}" type="datetimeFigureOut">
+            <a:fld id="{B3DC3CD5-4408-40BC-8711-CE34875BEBD9}" type="datetime1">
               <a:rPr lang="en-GB" smtClean="0"/>
-              <a:t>10/11/2016</a:t>
+              <a:t>16/11/2016</a:t>
             </a:fld>
             <a:endParaRPr lang="en-GB"/>
           </a:p>
@@ -5157,9 +5315,9 @@
           <a:bodyPr/>
           <a:lstStyle/>
           <a:p>
-            <a:fld id="{0B9C70C9-9C08-412B-815E-173E5167EC12}" type="datetimeFigureOut">
+            <a:fld id="{3084F040-B3DE-4E96-B0AB-F50A27EE71E4}" type="datetime1">
               <a:rPr lang="en-GB" smtClean="0"/>
-              <a:t>10/11/2016</a:t>
+              <a:t>16/11/2016</a:t>
             </a:fld>
             <a:endParaRPr lang="en-GB"/>
           </a:p>
@@ -5547,9 +5705,9 @@
           <a:bodyPr/>
           <a:lstStyle/>
           <a:p>
-            <a:fld id="{0B9C70C9-9C08-412B-815E-173E5167EC12}" type="datetimeFigureOut">
+            <a:fld id="{FCE8AC9F-CB53-4F60-9E4E-1DD400E9BF75}" type="datetime1">
               <a:rPr lang="en-GB" smtClean="0"/>
-              <a:t>10/11/2016</a:t>
+              <a:t>16/11/2016</a:t>
             </a:fld>
             <a:endParaRPr lang="en-GB"/>
           </a:p>
@@ -5681,9 +5839,9 @@
           <a:bodyPr/>
           <a:lstStyle/>
           <a:p>
-            <a:fld id="{0B9C70C9-9C08-412B-815E-173E5167EC12}" type="datetimeFigureOut">
+            <a:fld id="{5BD147D9-EA8B-4E31-9555-19B22397C236}" type="datetime1">
               <a:rPr lang="en-GB" smtClean="0"/>
-              <a:t>10/11/2016</a:t>
+              <a:t>16/11/2016</a:t>
             </a:fld>
             <a:endParaRPr lang="en-GB"/>
           </a:p>
@@ -5792,9 +5950,9 @@
           <a:bodyPr/>
           <a:lstStyle/>
           <a:p>
-            <a:fld id="{0B9C70C9-9C08-412B-815E-173E5167EC12}" type="datetimeFigureOut">
+            <a:fld id="{3E3167C7-8965-4AD9-B7F4-FC763C65AE60}" type="datetime1">
               <a:rPr lang="en-GB" smtClean="0"/>
-              <a:t>10/11/2016</a:t>
+              <a:t>16/11/2016</a:t>
             </a:fld>
             <a:endParaRPr lang="en-GB"/>
           </a:p>
@@ -6085,9 +6243,9 @@
           <a:bodyPr/>
           <a:lstStyle/>
           <a:p>
-            <a:fld id="{0B9C70C9-9C08-412B-815E-173E5167EC12}" type="datetimeFigureOut">
+            <a:fld id="{74A35732-0D4A-41B0-AF00-C984732312C2}" type="datetime1">
               <a:rPr lang="en-GB" smtClean="0"/>
-              <a:t>10/11/2016</a:t>
+              <a:t>16/11/2016</a:t>
             </a:fld>
             <a:endParaRPr lang="en-GB"/>
           </a:p>
@@ -6354,9 +6512,9 @@
           <a:bodyPr/>
           <a:lstStyle/>
           <a:p>
-            <a:fld id="{0B9C70C9-9C08-412B-815E-173E5167EC12}" type="datetimeFigureOut">
+            <a:fld id="{CD69A1A8-A846-4D7E-ADA0-FE1FD63A5553}" type="datetime1">
               <a:rPr lang="en-GB" smtClean="0"/>
-              <a:t>10/11/2016</a:t>
+              <a:t>16/11/2016</a:t>
             </a:fld>
             <a:endParaRPr lang="en-GB"/>
           </a:p>
@@ -6581,11 +6739,6 @@
             </a:lvl1pPr>
           </a:lstStyle>
           <a:p>
-            <a:fld id="{BBC11982-2518-4DEB-9BEF-04FF2D2DE1C7}" type="slidenum">
-              <a:rPr lang="en-GB" smtClean="0"/>
-              <a:pPr/>
-              <a:t>‹#›</a:t>
-            </a:fld>
             <a:endParaRPr lang="en-GB" dirty="0"/>
           </a:p>
         </p:txBody>
@@ -6789,6 +6942,7 @@
       </p:par>
     </p:tnLst>
   </p:timing>
+  <p:hf hdr="0" ftr="0" dt="0"/>
   <p:txStyles>
     <p:titleStyle>
       <a:lvl1pPr algn="l" defTabSz="914400" rtl="0" eaLnBrk="1" latinLnBrk="0" hangingPunct="1">
@@ -7282,6 +7436,7 @@
       </p:par>
     </p:tnLst>
   </p:timing>
+  <p:hf hdr="0" ftr="0" dt="0"/>
   <p:txStyles>
     <p:titleStyle>
       <a:lvl1pPr algn="l" defTabSz="914400" rtl="0" eaLnBrk="1" latinLnBrk="0" hangingPunct="1">
@@ -7934,20 +8089,66 @@
             <p:ph idx="1"/>
           </p:nvPr>
         </p:nvSpPr>
+        <p:spPr>
+          <a:xfrm>
+            <a:off x="838200" y="2490952"/>
+            <a:ext cx="10515600" cy="3147848"/>
+          </a:xfrm>
+        </p:spPr>
+        <p:txBody>
+          <a:bodyPr/>
+          <a:lstStyle/>
+          <a:p>
+            <a:r>
+              <a:rPr lang="en-GB" dirty="0" smtClean="0"/>
+              <a:t>Scalability because of Linear Search</a:t>
+            </a:r>
+          </a:p>
+          <a:p>
+            <a:endParaRPr lang="en-GB" dirty="0"/>
+          </a:p>
+          <a:p>
+            <a:r>
+              <a:rPr lang="en-GB" dirty="0" smtClean="0"/>
+              <a:t>Redundancy of no longer needed </a:t>
+            </a:r>
+            <a:r>
+              <a:rPr lang="en-GB" dirty="0" smtClean="0"/>
+              <a:t>Rule Activations</a:t>
+            </a:r>
+            <a:endParaRPr lang="en-GB" dirty="0" smtClean="0"/>
+          </a:p>
+          <a:p>
+            <a:endParaRPr lang="en-GB" dirty="0"/>
+          </a:p>
+          <a:p>
+            <a:endParaRPr lang="en-GB" dirty="0"/>
+          </a:p>
+        </p:txBody>
+      </p:sp>
+      <p:sp>
+        <p:nvSpPr>
+          <p:cNvPr id="4" name="Slide Number Placeholder 3"/>
+          <p:cNvSpPr>
+            <a:spLocks noGrp="1"/>
+          </p:cNvSpPr>
+          <p:nvPr>
+            <p:ph type="sldNum" sz="quarter" idx="12"/>
+          </p:nvPr>
+        </p:nvSpPr>
         <p:spPr/>
         <p:txBody>
           <a:bodyPr/>
           <a:lstStyle/>
           <a:p>
+            <a:fld id="{743D3E5A-9F72-4BC2-887C-0019BE105260}" type="slidenum">
+              <a:rPr lang="en-GB" smtClean="0"/>
+              <a:t>10</a:t>
+            </a:fld>
             <a:r>
               <a:rPr lang="en-GB" dirty="0" smtClean="0"/>
-              <a:t>Scalability </a:t>
-            </a:r>
-          </a:p>
-          <a:p>
-            <a:endParaRPr lang="en-GB" dirty="0"/>
-          </a:p>
-          <a:p>
+              <a:t>/13</a:t>
+            </a:r>
             <a:endParaRPr lang="en-GB" dirty="0"/>
           </a:p>
         </p:txBody>
@@ -8030,8 +8231,12 @@
           <a:lstStyle/>
           <a:p>
             <a:r>
+              <a:rPr lang="en-GB" dirty="0" smtClean="0"/>
+              <a:t>interface </a:t>
+            </a:r>
+            <a:r>
               <a:rPr lang="en-GB" dirty="0"/>
-              <a:t>Interfacing with the outside </a:t>
+              <a:t>with the outside </a:t>
             </a:r>
             <a:r>
               <a:rPr lang="en-GB" dirty="0" smtClean="0"/>
@@ -8044,7 +8249,15 @@
           <a:p>
             <a:r>
               <a:rPr lang="en-GB" dirty="0"/>
-              <a:t>Making it go </a:t>
+              <a:t>m</a:t>
+            </a:r>
+            <a:r>
+              <a:rPr lang="en-GB" dirty="0" smtClean="0"/>
+              <a:t>ake it </a:t>
+            </a:r>
+            <a:r>
+              <a:rPr lang="en-GB" dirty="0"/>
+              <a:t>go </a:t>
             </a:r>
             <a:r>
               <a:rPr lang="en-GB" dirty="0" smtClean="0"/>
@@ -8057,7 +8270,37 @@
           <a:p>
             <a:r>
               <a:rPr lang="en-GB" dirty="0"/>
-              <a:t>Making it more powerful</a:t>
+              <a:t>b</a:t>
+            </a:r>
+            <a:r>
+              <a:rPr lang="en-GB" dirty="0" smtClean="0"/>
+              <a:t>ring RuleR to the community</a:t>
+            </a:r>
+          </a:p>
+        </p:txBody>
+      </p:sp>
+      <p:sp>
+        <p:nvSpPr>
+          <p:cNvPr id="4" name="Slide Number Placeholder 3"/>
+          <p:cNvSpPr>
+            <a:spLocks noGrp="1"/>
+          </p:cNvSpPr>
+          <p:nvPr>
+            <p:ph type="sldNum" sz="quarter" idx="12"/>
+          </p:nvPr>
+        </p:nvSpPr>
+        <p:spPr/>
+        <p:txBody>
+          <a:bodyPr/>
+          <a:lstStyle/>
+          <a:p>
+            <a:fld id="{743D3E5A-9F72-4BC2-887C-0019BE105260}" type="slidenum">
+              <a:rPr lang="en-GB" smtClean="0"/>
+              <a:t>11</a:t>
+            </a:fld>
+            <a:r>
+              <a:rPr lang="en-GB" dirty="0" smtClean="0"/>
+              <a:t>/13</a:t>
             </a:r>
             <a:endParaRPr lang="en-GB" dirty="0"/>
           </a:p>
@@ -8210,7 +8453,7 @@
           <a:p>
             <a:r>
               <a:rPr lang="en-GB" dirty="0" smtClean="0"/>
-              <a:t>Expected Result</a:t>
+              <a:t>Measuring Success</a:t>
             </a:r>
             <a:endParaRPr lang="en-GB" dirty="0"/>
           </a:p>
@@ -8231,41 +8474,73 @@
           <a:bodyPr/>
           <a:lstStyle/>
           <a:p>
+            <a:r>
+              <a:rPr lang="en-GB" dirty="0" smtClean="0"/>
+              <a:t>create working product</a:t>
+            </a:r>
+          </a:p>
+          <a:p>
+            <a:endParaRPr lang="en-GB" dirty="0"/>
+          </a:p>
+          <a:p>
+            <a:r>
+              <a:rPr lang="en-GB" dirty="0"/>
+              <a:t>basic implementation versus optimised </a:t>
+            </a:r>
+            <a:r>
+              <a:rPr lang="en-GB" dirty="0" smtClean="0"/>
+              <a:t>implementation</a:t>
+            </a:r>
+          </a:p>
+          <a:p>
+            <a:endParaRPr lang="en-GB" dirty="0"/>
+          </a:p>
+          <a:p>
+            <a:r>
+              <a:rPr lang="en-GB" dirty="0" smtClean="0"/>
+              <a:t>benchmark </a:t>
+            </a:r>
             <a:r>
               <a:rPr lang="en-GB" dirty="0"/>
               <a:t>a</a:t>
             </a:r>
             <a:r>
               <a:rPr lang="en-GB" dirty="0" smtClean="0"/>
-              <a:t>ccepts  complex </a:t>
-            </a:r>
-            <a:r>
-              <a:rPr lang="en-GB" dirty="0"/>
-              <a:t>R</a:t>
-            </a:r>
+              <a:t>gainst other tools in competition</a:t>
+            </a:r>
+          </a:p>
+          <a:p>
+            <a:pPr marL="0" indent="0">
+              <a:buNone/>
+            </a:pPr>
+            <a:endParaRPr lang="en-GB" dirty="0"/>
+          </a:p>
+        </p:txBody>
+      </p:sp>
+      <p:sp>
+        <p:nvSpPr>
+          <p:cNvPr id="4" name="Slide Number Placeholder 3"/>
+          <p:cNvSpPr>
+            <a:spLocks noGrp="1"/>
+          </p:cNvSpPr>
+          <p:nvPr>
+            <p:ph type="sldNum" sz="quarter" idx="12"/>
+          </p:nvPr>
+        </p:nvSpPr>
+        <p:spPr/>
+        <p:txBody>
+          <a:bodyPr/>
+          <a:lstStyle/>
+          <a:p>
             <a:r>
               <a:rPr lang="en-GB" dirty="0" smtClean="0"/>
-              <a:t>ule Systems</a:t>
-            </a:r>
+              <a:t>13/</a:t>
+            </a:r>
+            <a:fld id="{743D3E5A-9F72-4BC2-887C-0019BE105260}" type="slidenum">
+              <a:rPr lang="en-GB" smtClean="0"/>
+              <a:t>13</a:t>
+            </a:fld>
             <a:endParaRPr lang="en-GB" dirty="0"/>
-          </a:p>
-          <a:p>
-            <a:endParaRPr lang="en-GB" dirty="0" smtClean="0"/>
-          </a:p>
-          <a:p>
-            <a:r>
-              <a:rPr lang="en-GB" dirty="0" smtClean="0"/>
-              <a:t>takes reasonable time to calculate large number of Observations</a:t>
-            </a:r>
-          </a:p>
-          <a:p>
-            <a:endParaRPr lang="en-GB" dirty="0"/>
-          </a:p>
-          <a:p>
-            <a:r>
-              <a:rPr lang="en-GB" dirty="0" smtClean="0"/>
-              <a:t> ?</a:t>
-            </a:r>
           </a:p>
         </p:txBody>
       </p:sp>
@@ -8379,6 +8654,33 @@
           </a:p>
         </p:txBody>
       </p:sp>
+      <p:sp>
+        <p:nvSpPr>
+          <p:cNvPr id="4" name="Slide Number Placeholder 3"/>
+          <p:cNvSpPr>
+            <a:spLocks noGrp="1"/>
+          </p:cNvSpPr>
+          <p:nvPr>
+            <p:ph type="sldNum" sz="quarter" idx="12"/>
+          </p:nvPr>
+        </p:nvSpPr>
+        <p:spPr/>
+        <p:txBody>
+          <a:bodyPr/>
+          <a:lstStyle/>
+          <a:p>
+            <a:fld id="{743D3E5A-9F72-4BC2-887C-0019BE105260}" type="slidenum">
+              <a:rPr lang="en-GB" smtClean="0"/>
+              <a:t>2</a:t>
+            </a:fld>
+            <a:r>
+              <a:rPr lang="en-GB" dirty="0" smtClean="0"/>
+              <a:t>/13</a:t>
+            </a:r>
+            <a:endParaRPr lang="en-GB" dirty="0"/>
+          </a:p>
+        </p:txBody>
+      </p:sp>
     </p:spTree>
     <p:extLst>
       <p:ext uri="{BB962C8B-B14F-4D97-AF65-F5344CB8AC3E}">
@@ -8497,6 +8799,33 @@
           </a:p>
         </p:txBody>
       </p:sp>
+      <p:sp>
+        <p:nvSpPr>
+          <p:cNvPr id="4" name="Slide Number Placeholder 3"/>
+          <p:cNvSpPr>
+            <a:spLocks noGrp="1"/>
+          </p:cNvSpPr>
+          <p:nvPr>
+            <p:ph type="sldNum" sz="quarter" idx="12"/>
+          </p:nvPr>
+        </p:nvSpPr>
+        <p:spPr/>
+        <p:txBody>
+          <a:bodyPr/>
+          <a:lstStyle/>
+          <a:p>
+            <a:fld id="{743D3E5A-9F72-4BC2-887C-0019BE105260}" type="slidenum">
+              <a:rPr lang="en-GB" smtClean="0"/>
+              <a:t>3</a:t>
+            </a:fld>
+            <a:r>
+              <a:rPr lang="en-GB" dirty="0" smtClean="0"/>
+              <a:t>/13</a:t>
+            </a:r>
+            <a:endParaRPr lang="en-GB" dirty="0"/>
+          </a:p>
+        </p:txBody>
+      </p:sp>
     </p:spTree>
     <p:extLst>
       <p:ext uri="{BB962C8B-B14F-4D97-AF65-F5344CB8AC3E}">
@@ -8551,35 +8880,227 @@
           <a:p>
             <a:r>
               <a:rPr lang="en-GB" dirty="0" smtClean="0"/>
-              <a:t>Some of existing Runtime Verification tools</a:t>
-            </a:r>
-            <a:br>
+              <a:t>Runtime Verification </a:t>
+            </a:r>
+            <a:r>
+              <a:rPr lang="en-GB" dirty="0"/>
+              <a:t>T</a:t>
+            </a:r>
+            <a:r>
               <a:rPr lang="en-GB" dirty="0" smtClean="0"/>
-            </a:br>
+              <a:t>ools</a:t>
+            </a:r>
+            <a:endParaRPr lang="en-GB" dirty="0"/>
+          </a:p>
+        </p:txBody>
+      </p:sp>
+      <p:sp>
+        <p:nvSpPr>
+          <p:cNvPr id="3" name="Content Placeholder 2"/>
+          <p:cNvSpPr>
+            <a:spLocks noGrp="1"/>
+          </p:cNvSpPr>
+          <p:nvPr>
+            <p:ph idx="1"/>
+          </p:nvPr>
+        </p:nvSpPr>
+        <p:spPr>
+          <a:xfrm>
+            <a:off x="838200" y="1825625"/>
+            <a:ext cx="10515600" cy="3813175"/>
+          </a:xfrm>
+        </p:spPr>
+        <p:txBody>
+          <a:bodyPr>
+            <a:normAutofit/>
+          </a:bodyPr>
+          <a:lstStyle/>
+          <a:p>
             <a:r>
               <a:rPr lang="en-GB" dirty="0" smtClean="0"/>
-              <a:t>or History…</a:t>
+              <a:t>The field started in 2000</a:t>
+            </a:r>
+          </a:p>
+          <a:p>
+            <a:r>
+              <a:rPr lang="en-GB" dirty="0" smtClean="0"/>
+              <a:t>Early developments: </a:t>
+            </a:r>
+            <a:r>
+              <a:rPr lang="en-GB" dirty="0" err="1" smtClean="0"/>
+              <a:t>JavaMAC</a:t>
+            </a:r>
+            <a:r>
+              <a:rPr lang="en-GB" dirty="0" smtClean="0"/>
+              <a:t> and Eagle</a:t>
+            </a:r>
+          </a:p>
+          <a:p>
+            <a:r>
+              <a:rPr lang="en-GB" dirty="0" smtClean="0"/>
+              <a:t>Early tools included RuleR </a:t>
+            </a:r>
+            <a:r>
+              <a:rPr lang="en-GB" sz="2000" dirty="0" smtClean="0"/>
+              <a:t>(Manchester) </a:t>
+            </a:r>
+            <a:r>
+              <a:rPr lang="en-GB" dirty="0" smtClean="0"/>
+              <a:t>and </a:t>
+            </a:r>
+            <a:r>
+              <a:rPr lang="en-GB" dirty="0" err="1" smtClean="0"/>
+              <a:t>JavaMOP</a:t>
+            </a:r>
+            <a:r>
+              <a:rPr lang="en-GB" dirty="0" smtClean="0"/>
+              <a:t> </a:t>
+            </a:r>
+            <a:r>
+              <a:rPr lang="en-GB" sz="2000" dirty="0" smtClean="0"/>
+              <a:t>(US)</a:t>
+            </a:r>
+            <a:endParaRPr lang="en-GB" dirty="0" smtClean="0"/>
+          </a:p>
+          <a:p>
+            <a:r>
+              <a:rPr lang="en-GB" dirty="0" err="1" smtClean="0"/>
+              <a:t>MarQ</a:t>
+            </a:r>
+            <a:r>
+              <a:rPr lang="en-GB" dirty="0" smtClean="0"/>
+              <a:t> </a:t>
+            </a:r>
+            <a:r>
+              <a:rPr lang="en-GB" sz="2000" dirty="0" smtClean="0"/>
+              <a:t>(Manchester) </a:t>
+            </a:r>
+            <a:r>
+              <a:rPr lang="en-GB" dirty="0" err="1" smtClean="0"/>
+              <a:t>LogFire</a:t>
+            </a:r>
+            <a:r>
+              <a:rPr lang="en-GB" dirty="0" smtClean="0"/>
+              <a:t> and </a:t>
+            </a:r>
+            <a:r>
+              <a:rPr lang="en-GB" dirty="0" err="1" smtClean="0"/>
+              <a:t>TraceContract</a:t>
+            </a:r>
+            <a:r>
+              <a:rPr lang="en-GB" dirty="0" smtClean="0"/>
+              <a:t> </a:t>
+            </a:r>
+            <a:r>
+              <a:rPr lang="en-GB" sz="2000" dirty="0" smtClean="0"/>
+              <a:t>(NASA)</a:t>
+            </a:r>
+          </a:p>
+          <a:p>
+            <a:r>
+              <a:rPr lang="en-GB" dirty="0"/>
+              <a:t>f</a:t>
+            </a:r>
+            <a:r>
+              <a:rPr lang="en-GB" dirty="0" smtClean="0"/>
+              <a:t>or financial service - Larva </a:t>
+            </a:r>
+            <a:r>
+              <a:rPr lang="en-GB" sz="2000" dirty="0" smtClean="0"/>
+              <a:t>(Malta)</a:t>
+            </a:r>
+            <a:r>
+              <a:rPr lang="en-GB" dirty="0" smtClean="0"/>
+              <a:t>, </a:t>
+            </a:r>
+          </a:p>
+          <a:p>
+            <a:r>
+              <a:rPr lang="en-GB" dirty="0" smtClean="0"/>
+              <a:t>for </a:t>
+            </a:r>
+            <a:r>
+              <a:rPr lang="en-GB" dirty="0" err="1" smtClean="0"/>
+              <a:t>medice</a:t>
+            </a:r>
+            <a:r>
+              <a:rPr lang="en-GB" dirty="0" smtClean="0"/>
+              <a:t> software testing - </a:t>
+            </a:r>
+            <a:r>
+              <a:rPr lang="en-GB" dirty="0" err="1" smtClean="0"/>
+              <a:t>Mufin</a:t>
+            </a:r>
+            <a:r>
+              <a:rPr lang="en-GB" dirty="0" smtClean="0"/>
+              <a:t> </a:t>
+            </a:r>
+            <a:r>
+              <a:rPr lang="en-GB" sz="2000" dirty="0" smtClean="0"/>
+              <a:t>(Germany)</a:t>
+            </a:r>
+            <a:r>
+              <a:rPr lang="en-GB" dirty="0" smtClean="0"/>
+              <a:t>,  </a:t>
+            </a:r>
+          </a:p>
+          <a:p>
+            <a:r>
+              <a:rPr lang="en-GB" dirty="0" smtClean="0"/>
+              <a:t>E-ACSL </a:t>
+            </a:r>
+            <a:r>
+              <a:rPr lang="en-GB" sz="2000" dirty="0" smtClean="0"/>
+              <a:t>(France), </a:t>
+            </a:r>
+            <a:r>
+              <a:rPr lang="en-GB" dirty="0" err="1" smtClean="0"/>
+              <a:t>BeepBeep</a:t>
+            </a:r>
+            <a:r>
+              <a:rPr lang="en-GB" dirty="0" smtClean="0"/>
+              <a:t> and </a:t>
+            </a:r>
+            <a:r>
+              <a:rPr lang="en-GB" dirty="0" err="1" smtClean="0"/>
+              <a:t>RiTHM</a:t>
+            </a:r>
+            <a:r>
+              <a:rPr lang="en-GB" dirty="0" smtClean="0"/>
+              <a:t> </a:t>
+            </a:r>
+            <a:r>
+              <a:rPr lang="en-GB" sz="2000" dirty="0" smtClean="0"/>
+              <a:t>(Canada)</a:t>
+            </a:r>
+            <a:endParaRPr lang="en-GB" sz="2000" dirty="0"/>
+          </a:p>
+        </p:txBody>
+      </p:sp>
+      <p:sp>
+        <p:nvSpPr>
+          <p:cNvPr id="4" name="Slide Number Placeholder 3"/>
+          <p:cNvSpPr>
+            <a:spLocks noGrp="1"/>
+          </p:cNvSpPr>
+          <p:nvPr>
+            <p:ph type="sldNum" sz="quarter" idx="12"/>
+          </p:nvPr>
+        </p:nvSpPr>
+        <p:spPr/>
+        <p:txBody>
+          <a:bodyPr/>
+          <a:lstStyle/>
+          <a:p>
+            <a:fld id="{743D3E5A-9F72-4BC2-887C-0019BE105260}" type="slidenum">
+              <a:rPr lang="en-GB" smtClean="0"/>
+              <a:t>4</a:t>
+            </a:fld>
+            <a:r>
+              <a:rPr lang="en-GB" dirty="0" smtClean="0"/>
+              <a:t>/13</a:t>
             </a:r>
             <a:endParaRPr lang="en-GB" dirty="0"/>
-          </a:p>
-        </p:txBody>
-      </p:sp>
-      <p:sp>
-        <p:nvSpPr>
-          <p:cNvPr id="3" name="Content Placeholder 2"/>
-          <p:cNvSpPr>
-            <a:spLocks noGrp="1"/>
-          </p:cNvSpPr>
-          <p:nvPr>
-            <p:ph idx="1"/>
-          </p:nvPr>
-        </p:nvSpPr>
-        <p:spPr/>
-        <p:txBody>
-          <a:bodyPr/>
-          <a:lstStyle/>
-          <a:p>
-            <a:endParaRPr lang="en-GB"/>
           </a:p>
         </p:txBody>
       </p:sp>
@@ -8636,7 +9157,7 @@
           <a:lstStyle/>
           <a:p>
             <a:r>
-              <a:rPr lang="en-GB" dirty="0" err="1" smtClean="0"/>
+              <a:rPr lang="en-GB" dirty="0" smtClean="0"/>
               <a:t>RuleR</a:t>
             </a:r>
             <a:endParaRPr lang="en-GB" dirty="0"/>
@@ -8697,12 +9218,28 @@
               <a:t> , David </a:t>
             </a:r>
             <a:r>
-              <a:rPr lang="en-GB" dirty="0" err="1"/>
+              <a:rPr lang="en-GB" dirty="0" err="1" smtClean="0"/>
               <a:t>Rydeheard</a:t>
             </a:r>
             <a:r>
               <a:rPr lang="en-GB" dirty="0"/>
-              <a:t>, and Klaus </a:t>
+              <a:t> (</a:t>
+            </a:r>
+            <a:r>
+              <a:rPr lang="en-GB" dirty="0" smtClean="0"/>
+              <a:t>University </a:t>
+            </a:r>
+            <a:r>
+              <a:rPr lang="en-GB" dirty="0"/>
+              <a:t>of </a:t>
+            </a:r>
+            <a:r>
+              <a:rPr lang="en-GB" dirty="0" smtClean="0"/>
+              <a:t>Manchester), </a:t>
+            </a:r>
+            <a:r>
+              <a:rPr lang="en-GB" dirty="0"/>
+              <a:t>and Klaus </a:t>
             </a:r>
             <a:r>
               <a:rPr lang="en-GB" dirty="0" err="1" smtClean="0"/>
@@ -8710,7 +9247,34 @@
             </a:r>
             <a:r>
               <a:rPr lang="en-GB" dirty="0" smtClean="0"/>
-              <a:t> at University of Manchester</a:t>
+              <a:t> (NASA)</a:t>
+            </a:r>
+            <a:endParaRPr lang="en-GB" dirty="0"/>
+          </a:p>
+        </p:txBody>
+      </p:sp>
+      <p:sp>
+        <p:nvSpPr>
+          <p:cNvPr id="4" name="Slide Number Placeholder 3"/>
+          <p:cNvSpPr>
+            <a:spLocks noGrp="1"/>
+          </p:cNvSpPr>
+          <p:nvPr>
+            <p:ph type="sldNum" sz="quarter" idx="12"/>
+          </p:nvPr>
+        </p:nvSpPr>
+        <p:spPr/>
+        <p:txBody>
+          <a:bodyPr/>
+          <a:lstStyle/>
+          <a:p>
+            <a:fld id="{743D3E5A-9F72-4BC2-887C-0019BE105260}" type="slidenum">
+              <a:rPr lang="en-GB" smtClean="0"/>
+              <a:t>5</a:t>
+            </a:fld>
+            <a:r>
+              <a:rPr lang="en-GB" dirty="0" smtClean="0"/>
+              <a:t>/13</a:t>
             </a:r>
             <a:endParaRPr lang="en-GB" dirty="0"/>
           </a:p>
@@ -8858,6 +9422,33 @@
           </a:p>
         </p:txBody>
       </p:sp>
+      <p:sp>
+        <p:nvSpPr>
+          <p:cNvPr id="4" name="Slide Number Placeholder 3"/>
+          <p:cNvSpPr>
+            <a:spLocks noGrp="1"/>
+          </p:cNvSpPr>
+          <p:nvPr>
+            <p:ph type="sldNum" sz="quarter" idx="12"/>
+          </p:nvPr>
+        </p:nvSpPr>
+        <p:spPr/>
+        <p:txBody>
+          <a:bodyPr/>
+          <a:lstStyle/>
+          <a:p>
+            <a:fld id="{743D3E5A-9F72-4BC2-887C-0019BE105260}" type="slidenum">
+              <a:rPr lang="en-GB" smtClean="0"/>
+              <a:t>6</a:t>
+            </a:fld>
+            <a:r>
+              <a:rPr lang="en-GB" dirty="0" smtClean="0"/>
+              <a:t>/13</a:t>
+            </a:r>
+            <a:endParaRPr lang="en-GB" dirty="0"/>
+          </a:p>
+        </p:txBody>
+      </p:sp>
     </p:spTree>
     <p:extLst>
       <p:ext uri="{BB962C8B-B14F-4D97-AF65-F5344CB8AC3E}">
@@ -8912,7 +9503,7 @@
           <a:p>
             <a:r>
               <a:rPr lang="en-GB" dirty="0" smtClean="0"/>
-              <a:t>Algorithm</a:t>
+              <a:t>The Process</a:t>
             </a:r>
             <a:endParaRPr lang="en-GB" dirty="0"/>
           </a:p>
@@ -8936,6 +9527,38 @@
             <a:r>
               <a:rPr lang="en-GB" dirty="0" smtClean="0"/>
               <a:t>Results {True, Still_True, False, Still_False, Unknown}</a:t>
+            </a:r>
+          </a:p>
+          <a:p>
+            <a:pPr marL="0" indent="0">
+              <a:buNone/>
+            </a:pPr>
+            <a:endParaRPr lang="en-GB" dirty="0"/>
+          </a:p>
+        </p:txBody>
+      </p:sp>
+      <p:sp>
+        <p:nvSpPr>
+          <p:cNvPr id="5" name="Slide Number Placeholder 4"/>
+          <p:cNvSpPr>
+            <a:spLocks noGrp="1"/>
+          </p:cNvSpPr>
+          <p:nvPr>
+            <p:ph type="sldNum" sz="quarter" idx="12"/>
+          </p:nvPr>
+        </p:nvSpPr>
+        <p:spPr/>
+        <p:txBody>
+          <a:bodyPr/>
+          <a:lstStyle/>
+          <a:p>
+            <a:fld id="{743D3E5A-9F72-4BC2-887C-0019BE105260}" type="slidenum">
+              <a:rPr lang="en-GB" smtClean="0"/>
+              <a:t>7</a:t>
+            </a:fld>
+            <a:r>
+              <a:rPr lang="en-GB" dirty="0" smtClean="0"/>
+              <a:t>/13</a:t>
             </a:r>
             <a:endParaRPr lang="en-GB" dirty="0"/>
           </a:p>
@@ -8949,22 +9572,59 @@
           </p:cNvPicPr>
           <p:nvPr/>
         </p:nvPicPr>
-        <p:blipFill>
-          <a:blip r:embed="rId3"/>
-          <a:stretch>
-            <a:fillRect/>
-          </a:stretch>
+        <p:blipFill rotWithShape="1">
+          <a:blip r:embed="rId3">
+            <a:extLst>
+              <a:ext uri="{28A0092B-C50C-407E-A947-70E740481C1C}">
+                <a14:useLocalDpi xmlns:a14="http://schemas.microsoft.com/office/drawing/2010/main" val="0"/>
+              </a:ext>
+            </a:extLst>
+          </a:blip>
+          <a:srcRect l="10204" t="17882" r="5673" b="27787"/>
+          <a:stretch/>
         </p:blipFill>
         <p:spPr>
           <a:xfrm>
-            <a:off x="836744" y="2733675"/>
-            <a:ext cx="9891127" cy="3040220"/>
+            <a:off x="901263" y="1381058"/>
+            <a:ext cx="10040006" cy="4584743"/>
           </a:xfrm>
           <a:prstGeom prst="rect">
             <a:avLst/>
           </a:prstGeom>
         </p:spPr>
       </p:pic>
+      <p:sp>
+        <p:nvSpPr>
+          <p:cNvPr id="6" name="TextBox 5"/>
+          <p:cNvSpPr txBox="1"/>
+          <p:nvPr/>
+        </p:nvSpPr>
+        <p:spPr>
+          <a:xfrm>
+            <a:off x="3925614" y="5249917"/>
+            <a:ext cx="1198179" cy="369332"/>
+          </a:xfrm>
+          <a:prstGeom prst="rect">
+            <a:avLst/>
+          </a:prstGeom>
+          <a:solidFill>
+            <a:schemeClr val="bg1"/>
+          </a:solidFill>
+        </p:spPr>
+        <p:txBody>
+          <a:bodyPr wrap="square" rtlCol="0">
+            <a:spAutoFit/>
+          </a:bodyPr>
+          <a:lstStyle/>
+          <a:p>
+            <a:r>
+              <a:rPr lang="en-GB" dirty="0" smtClean="0"/>
+              <a:t>Event</a:t>
+            </a:r>
+            <a:endParaRPr lang="en-GB" dirty="0"/>
+          </a:p>
+        </p:txBody>
+      </p:sp>
     </p:spTree>
     <p:extLst>
       <p:ext uri="{BB962C8B-B14F-4D97-AF65-F5344CB8AC3E}">
@@ -9434,6 +10094,33 @@
           </a:p>
         </p:txBody>
       </p:sp>
+      <p:sp>
+        <p:nvSpPr>
+          <p:cNvPr id="5" name="Slide Number Placeholder 4"/>
+          <p:cNvSpPr>
+            <a:spLocks noGrp="1"/>
+          </p:cNvSpPr>
+          <p:nvPr>
+            <p:ph type="sldNum" sz="quarter" idx="12"/>
+          </p:nvPr>
+        </p:nvSpPr>
+        <p:spPr/>
+        <p:txBody>
+          <a:bodyPr/>
+          <a:lstStyle/>
+          <a:p>
+            <a:fld id="{743D3E5A-9F72-4BC2-887C-0019BE105260}" type="slidenum">
+              <a:rPr lang="en-GB" smtClean="0"/>
+              <a:t>8</a:t>
+            </a:fld>
+            <a:r>
+              <a:rPr lang="en-GB" dirty="0" smtClean="0"/>
+              <a:t>/13</a:t>
+            </a:r>
+            <a:endParaRPr lang="en-GB" dirty="0"/>
+          </a:p>
+        </p:txBody>
+      </p:sp>
     </p:spTree>
     <p:extLst>
       <p:ext uri="{BB962C8B-B14F-4D97-AF65-F5344CB8AC3E}">
@@ -9481,7 +10168,12 @@
             <p:ph type="title"/>
           </p:nvPr>
         </p:nvSpPr>
-        <p:spPr/>
+        <p:spPr>
+          <a:xfrm>
+            <a:off x="838200" y="-265494"/>
+            <a:ext cx="10515600" cy="1325563"/>
+          </a:xfrm>
+        </p:spPr>
         <p:txBody>
           <a:bodyPr/>
           <a:lstStyle/>
@@ -9496,7 +10188,7 @@
       </p:sp>
       <p:sp>
         <p:nvSpPr>
-          <p:cNvPr id="5" name="Content Placeholder 4"/>
+          <p:cNvPr id="6" name="Content Placeholder 2"/>
           <p:cNvSpPr>
             <a:spLocks noGrp="1"/>
           </p:cNvSpPr>
@@ -9504,12 +10196,758 @@
             <p:ph idx="1"/>
           </p:nvPr>
         </p:nvSpPr>
+        <p:spPr>
+          <a:xfrm>
+            <a:off x="838200" y="709448"/>
+            <a:ext cx="5940972" cy="6148552"/>
+          </a:xfrm>
+        </p:spPr>
+        <p:txBody>
+          <a:bodyPr>
+            <a:noAutofit/>
+          </a:bodyPr>
+          <a:lstStyle/>
+          <a:p>
+            <a:pPr marL="0" indent="0">
+              <a:buNone/>
+            </a:pPr>
+            <a:r>
+              <a:rPr lang="en-GB" sz="1400" dirty="0" smtClean="0"/>
+              <a:t>  Always Spin {</a:t>
+            </a:r>
+          </a:p>
+          <a:p>
+            <a:pPr marL="0" indent="0">
+              <a:buNone/>
+            </a:pPr>
+            <a:r>
+              <a:rPr lang="en-GB" sz="1400" dirty="0"/>
+              <a:t>	</a:t>
+            </a:r>
+            <a:r>
+              <a:rPr lang="en-GB" sz="1400" dirty="0" err="1" smtClean="0"/>
+              <a:t>getNumber</a:t>
+            </a:r>
+            <a:r>
+              <a:rPr lang="en-GB" sz="1400" dirty="0" smtClean="0"/>
+              <a:t>(n), &lt;Compare(n),Take(a),Pay(a)&gt; -&gt; Fail;</a:t>
+            </a:r>
+          </a:p>
+          <a:p>
+            <a:pPr marL="0" indent="0">
+              <a:buNone/>
+            </a:pPr>
+            <a:r>
+              <a:rPr lang="en-GB" sz="1400" dirty="0"/>
+              <a:t>	</a:t>
+            </a:r>
+            <a:r>
+              <a:rPr lang="en-GB" sz="1400" dirty="0" smtClean="0"/>
+              <a:t>compare(</a:t>
+            </a:r>
+            <a:r>
+              <a:rPr lang="en-GB" sz="1400" dirty="0" err="1" smtClean="0"/>
+              <a:t>account,n</a:t>
+            </a:r>
+            <a:r>
+              <a:rPr lang="en-GB" sz="1400" dirty="0" smtClean="0"/>
+              <a:t>) &lt;!Compare(n)&gt; -&gt; FAIL;</a:t>
+            </a:r>
+          </a:p>
+          <a:p>
+            <a:pPr marL="0" indent="0">
+              <a:buNone/>
+            </a:pPr>
+            <a:r>
+              <a:rPr lang="en-GB" sz="1400" dirty="0" smtClean="0"/>
+              <a:t>	pay(</a:t>
+            </a:r>
+            <a:r>
+              <a:rPr lang="en-GB" sz="1400" dirty="0" err="1" smtClean="0"/>
+              <a:t>account,a</a:t>
+            </a:r>
+            <a:r>
+              <a:rPr lang="en-GB" sz="1400" dirty="0" smtClean="0"/>
+              <a:t>) &lt;!Win(</a:t>
+            </a:r>
+            <a:r>
+              <a:rPr lang="en-GB" sz="1400" dirty="0" err="1" smtClean="0"/>
+              <a:t>acc,a</a:t>
+            </a:r>
+            <a:r>
+              <a:rPr lang="en-GB" sz="1400" dirty="0" smtClean="0"/>
+              <a:t>)&gt; -&gt; FAIL;</a:t>
+            </a:r>
+          </a:p>
+          <a:p>
+            <a:pPr marL="0" indent="0">
+              <a:buNone/>
+            </a:pPr>
+            <a:r>
+              <a:rPr lang="en-GB" sz="1400" dirty="0"/>
+              <a:t>	</a:t>
+            </a:r>
+            <a:r>
+              <a:rPr lang="en-GB" sz="1400" dirty="0" smtClean="0"/>
+              <a:t>take(</a:t>
+            </a:r>
+            <a:r>
+              <a:rPr lang="en-GB" sz="1400" dirty="0" err="1" smtClean="0"/>
+              <a:t>account,a</a:t>
+            </a:r>
+            <a:r>
+              <a:rPr lang="en-GB" sz="1400" dirty="0" smtClean="0"/>
+              <a:t>) &lt;!Lose(</a:t>
+            </a:r>
+            <a:r>
+              <a:rPr lang="en-GB" sz="1400" dirty="0" err="1" smtClean="0"/>
+              <a:t>acc,a</a:t>
+            </a:r>
+            <a:r>
+              <a:rPr lang="en-GB" sz="1400" dirty="0" smtClean="0"/>
+              <a:t>)&gt; -&gt; FAIL;</a:t>
+            </a:r>
+          </a:p>
+          <a:p>
+            <a:pPr marL="0" indent="0">
+              <a:buNone/>
+            </a:pPr>
+            <a:r>
+              <a:rPr lang="en-GB" sz="1400" dirty="0"/>
+              <a:t>	</a:t>
+            </a:r>
+            <a:r>
+              <a:rPr lang="en-GB" sz="1400" dirty="0" err="1" smtClean="0"/>
+              <a:t>getNumber</a:t>
+            </a:r>
+            <a:r>
+              <a:rPr lang="en-GB" sz="1400" dirty="0" smtClean="0"/>
+              <a:t>(n)  -&gt; Compare(n);</a:t>
+            </a:r>
+          </a:p>
+          <a:p>
+            <a:pPr marL="0" indent="0">
+              <a:buNone/>
+            </a:pPr>
+            <a:r>
+              <a:rPr lang="en-GB" sz="1400" dirty="0" smtClean="0"/>
+              <a:t> }</a:t>
+            </a:r>
+            <a:endParaRPr lang="en-GB" sz="1400" dirty="0"/>
+          </a:p>
+          <a:p>
+            <a:pPr marL="0" indent="0">
+              <a:buNone/>
+            </a:pPr>
+            <a:r>
+              <a:rPr lang="en-GB" sz="1400" dirty="0" smtClean="0"/>
+              <a:t>  State Compare(n) {</a:t>
+            </a:r>
+          </a:p>
+          <a:p>
+            <a:pPr marL="0" indent="0">
+              <a:buNone/>
+            </a:pPr>
+            <a:r>
+              <a:rPr lang="en-GB" sz="1400" dirty="0"/>
+              <a:t>	</a:t>
+            </a:r>
+            <a:r>
+              <a:rPr lang="en-GB" sz="1400" dirty="0" smtClean="0"/>
+              <a:t>compare(</a:t>
+            </a:r>
+            <a:r>
+              <a:rPr lang="en-GB" sz="1400" dirty="0" err="1" smtClean="0"/>
+              <a:t>account,m</a:t>
+            </a:r>
+            <a:r>
+              <a:rPr lang="en-GB" sz="1400" dirty="0" smtClean="0"/>
+              <a:t>), &lt; m &gt; n &gt; -&gt; Win(account,m+1);</a:t>
+            </a:r>
+          </a:p>
+          <a:p>
+            <a:pPr marL="0" indent="0">
+              <a:buNone/>
+            </a:pPr>
+            <a:r>
+              <a:rPr lang="en-GB" sz="1400" dirty="0" smtClean="0"/>
+              <a:t>	compare(</a:t>
+            </a:r>
+            <a:r>
+              <a:rPr lang="en-GB" sz="1400" dirty="0" err="1" smtClean="0"/>
+              <a:t>account,m</a:t>
+            </a:r>
+            <a:r>
+              <a:rPr lang="en-GB" sz="1400" dirty="0"/>
+              <a:t>), &lt; m </a:t>
+            </a:r>
+            <a:r>
+              <a:rPr lang="en-GB" sz="1400" dirty="0" smtClean="0"/>
+              <a:t>&lt;= </a:t>
+            </a:r>
+            <a:r>
+              <a:rPr lang="en-GB" sz="1400" dirty="0"/>
+              <a:t>n &gt; -&gt; </a:t>
+            </a:r>
+            <a:r>
+              <a:rPr lang="en-GB" sz="1400" dirty="0" smtClean="0"/>
+              <a:t>Lose(account,n+1);</a:t>
+            </a:r>
+          </a:p>
+          <a:p>
+            <a:pPr marL="0" indent="0">
+              <a:buNone/>
+            </a:pPr>
+            <a:r>
+              <a:rPr lang="en-GB" sz="1400" dirty="0" smtClean="0"/>
+              <a:t> }</a:t>
+            </a:r>
+          </a:p>
+          <a:p>
+            <a:pPr marL="0" indent="0">
+              <a:buNone/>
+            </a:pPr>
+            <a:r>
+              <a:rPr lang="en-GB" sz="1400" dirty="0" smtClean="0"/>
+              <a:t>State Lose(</a:t>
+            </a:r>
+            <a:r>
+              <a:rPr lang="en-GB" sz="1400" dirty="0" err="1" smtClean="0"/>
+              <a:t>acc,a</a:t>
+            </a:r>
+            <a:r>
+              <a:rPr lang="en-GB" sz="1400" dirty="0" smtClean="0"/>
+              <a:t>){</a:t>
+            </a:r>
+          </a:p>
+          <a:p>
+            <a:pPr marL="0" indent="0">
+              <a:buNone/>
+            </a:pPr>
+            <a:r>
+              <a:rPr lang="en-GB" sz="1400" dirty="0"/>
+              <a:t>	</a:t>
+            </a:r>
+            <a:r>
+              <a:rPr lang="en-GB" sz="1400" dirty="0" smtClean="0"/>
+              <a:t>take(account, amount) &lt;a = amount, account = </a:t>
+            </a:r>
+            <a:r>
+              <a:rPr lang="en-GB" sz="1400" dirty="0" err="1" smtClean="0"/>
+              <a:t>acc</a:t>
+            </a:r>
+            <a:r>
+              <a:rPr lang="en-GB" sz="1400" dirty="0" smtClean="0"/>
+              <a:t>&gt; -&gt; OK;</a:t>
+            </a:r>
+          </a:p>
+          <a:p>
+            <a:pPr marL="0" indent="0">
+              <a:buNone/>
+            </a:pPr>
+            <a:r>
+              <a:rPr lang="en-GB" sz="1400" dirty="0" smtClean="0"/>
+              <a:t>	take(account</a:t>
+            </a:r>
+            <a:r>
+              <a:rPr lang="en-GB" sz="1400" dirty="0"/>
+              <a:t>, amount) &lt;a </a:t>
+            </a:r>
+            <a:r>
+              <a:rPr lang="en-GB" sz="1400" dirty="0" smtClean="0"/>
+              <a:t>!= </a:t>
+            </a:r>
+            <a:r>
+              <a:rPr lang="en-GB" sz="1400" dirty="0"/>
+              <a:t>amount, account </a:t>
+            </a:r>
+            <a:r>
+              <a:rPr lang="en-GB" sz="1400" dirty="0" smtClean="0"/>
+              <a:t>!= </a:t>
+            </a:r>
+            <a:r>
+              <a:rPr lang="en-GB" sz="1400" dirty="0" err="1"/>
+              <a:t>acc</a:t>
+            </a:r>
+            <a:r>
+              <a:rPr lang="en-GB" sz="1400" dirty="0"/>
+              <a:t>&gt; -&gt; </a:t>
+            </a:r>
+            <a:r>
+              <a:rPr lang="en-GB" sz="1400" dirty="0" smtClean="0"/>
+              <a:t>FAIL;</a:t>
+            </a:r>
+          </a:p>
+          <a:p>
+            <a:pPr marL="0" indent="0">
+              <a:buNone/>
+            </a:pPr>
+            <a:r>
+              <a:rPr lang="en-GB" sz="1400" dirty="0" smtClean="0"/>
+              <a:t>}</a:t>
+            </a:r>
+          </a:p>
+          <a:p>
+            <a:pPr marL="0" indent="0">
+              <a:buNone/>
+            </a:pPr>
+            <a:r>
+              <a:rPr lang="en-GB" sz="1400" dirty="0"/>
+              <a:t>State </a:t>
+            </a:r>
+            <a:r>
+              <a:rPr lang="en-GB" sz="1400" dirty="0" smtClean="0"/>
+              <a:t>Win(</a:t>
+            </a:r>
+            <a:r>
+              <a:rPr lang="en-GB" sz="1400" dirty="0" err="1" smtClean="0"/>
+              <a:t>acc,a</a:t>
+            </a:r>
+            <a:r>
+              <a:rPr lang="en-GB" sz="1400" dirty="0"/>
+              <a:t>){</a:t>
+            </a:r>
+          </a:p>
+          <a:p>
+            <a:pPr marL="0" indent="0">
+              <a:buNone/>
+            </a:pPr>
+            <a:r>
+              <a:rPr lang="en-GB" sz="1400" dirty="0"/>
+              <a:t>	</a:t>
+            </a:r>
+            <a:r>
+              <a:rPr lang="en-GB" sz="1400" dirty="0" smtClean="0"/>
+              <a:t>pay(account</a:t>
+            </a:r>
+            <a:r>
+              <a:rPr lang="en-GB" sz="1400" dirty="0"/>
+              <a:t>, amount) &lt;a = amount, account = </a:t>
+            </a:r>
+            <a:r>
+              <a:rPr lang="en-GB" sz="1400" dirty="0" err="1"/>
+              <a:t>acc</a:t>
+            </a:r>
+            <a:r>
+              <a:rPr lang="en-GB" sz="1400" dirty="0"/>
+              <a:t>&gt; -&gt; </a:t>
+            </a:r>
+            <a:r>
+              <a:rPr lang="en-GB" sz="1400" dirty="0" smtClean="0"/>
+              <a:t>OK;</a:t>
+            </a:r>
+            <a:endParaRPr lang="en-GB" sz="1400" dirty="0"/>
+          </a:p>
+          <a:p>
+            <a:pPr marL="0" indent="0">
+              <a:buNone/>
+            </a:pPr>
+            <a:r>
+              <a:rPr lang="en-GB" sz="1400" dirty="0"/>
+              <a:t>	</a:t>
+            </a:r>
+            <a:r>
+              <a:rPr lang="en-GB" sz="1400" dirty="0" smtClean="0"/>
+              <a:t>pay(account</a:t>
+            </a:r>
+            <a:r>
+              <a:rPr lang="en-GB" sz="1400" dirty="0"/>
+              <a:t>, amount) &lt;a </a:t>
+            </a:r>
+            <a:r>
+              <a:rPr lang="en-GB" sz="1400" dirty="0" smtClean="0"/>
+              <a:t>!= </a:t>
+            </a:r>
+            <a:r>
+              <a:rPr lang="en-GB" sz="1400" dirty="0"/>
+              <a:t>amount, account </a:t>
+            </a:r>
+            <a:r>
+              <a:rPr lang="en-GB" sz="1400" dirty="0" smtClean="0"/>
+              <a:t>!= </a:t>
+            </a:r>
+            <a:r>
+              <a:rPr lang="en-GB" sz="1400" dirty="0" err="1"/>
+              <a:t>acc</a:t>
+            </a:r>
+            <a:r>
+              <a:rPr lang="en-GB" sz="1400" dirty="0"/>
+              <a:t>&gt; -&gt; </a:t>
+            </a:r>
+            <a:r>
+              <a:rPr lang="en-GB" sz="1400" dirty="0" smtClean="0"/>
+              <a:t>FAIL;</a:t>
+            </a:r>
+            <a:endParaRPr lang="en-GB" sz="1400" dirty="0"/>
+          </a:p>
+          <a:p>
+            <a:pPr marL="0" indent="0">
+              <a:buNone/>
+            </a:pPr>
+            <a:r>
+              <a:rPr lang="en-GB" sz="1400" dirty="0"/>
+              <a:t>}</a:t>
+            </a:r>
+          </a:p>
+          <a:p>
+            <a:pPr marL="0" indent="0">
+              <a:buNone/>
+            </a:pPr>
+            <a:endParaRPr lang="en-GB" sz="1400" dirty="0"/>
+          </a:p>
+        </p:txBody>
+      </p:sp>
+      <p:sp>
+        <p:nvSpPr>
+          <p:cNvPr id="3" name="Slide Number Placeholder 2"/>
+          <p:cNvSpPr>
+            <a:spLocks noGrp="1"/>
+          </p:cNvSpPr>
+          <p:nvPr>
+            <p:ph type="sldNum" sz="quarter" idx="12"/>
+          </p:nvPr>
+        </p:nvSpPr>
         <p:spPr/>
         <p:txBody>
           <a:bodyPr/>
           <a:lstStyle/>
           <a:p>
+            <a:fld id="{743D3E5A-9F72-4BC2-887C-0019BE105260}" type="slidenum">
+              <a:rPr lang="en-GB" smtClean="0"/>
+              <a:t>9</a:t>
+            </a:fld>
+            <a:r>
+              <a:rPr lang="en-GB" dirty="0" smtClean="0"/>
+              <a:t>/13</a:t>
+            </a:r>
             <a:endParaRPr lang="en-GB" dirty="0"/>
+          </a:p>
+        </p:txBody>
+      </p:sp>
+      <p:sp>
+        <p:nvSpPr>
+          <p:cNvPr id="7" name="Content Placeholder 2"/>
+          <p:cNvSpPr txBox="1">
+            <a:spLocks/>
+          </p:cNvSpPr>
+          <p:nvPr/>
+        </p:nvSpPr>
+        <p:spPr>
+          <a:xfrm>
+            <a:off x="6779172" y="1383587"/>
+            <a:ext cx="5940972" cy="5155324"/>
+          </a:xfrm>
+          <a:prstGeom prst="rect">
+            <a:avLst/>
+          </a:prstGeom>
+        </p:spPr>
+        <p:txBody>
+          <a:bodyPr vert="horz" lIns="91440" tIns="45720" rIns="91440" bIns="45720" rtlCol="0">
+            <a:noAutofit/>
+          </a:bodyPr>
+          <a:lstStyle>
+            <a:lvl1pPr marL="228600" indent="-228600" algn="l" defTabSz="914400" rtl="0" eaLnBrk="1" latinLnBrk="0" hangingPunct="1">
+              <a:lnSpc>
+                <a:spcPct val="90000"/>
+              </a:lnSpc>
+              <a:spcBef>
+                <a:spcPts val="1000"/>
+              </a:spcBef>
+              <a:buFont typeface="Arial" panose="020B0604020202020204" pitchFamily="34" charset="0"/>
+              <a:buChar char="•"/>
+              <a:defRPr sz="2800" kern="1200">
+                <a:solidFill>
+                  <a:schemeClr val="tx1">
+                    <a:lumMod val="50000"/>
+                    <a:lumOff val="50000"/>
+                  </a:schemeClr>
+                </a:solidFill>
+                <a:latin typeface="Titillium Web" panose="00000500000000000000" pitchFamily="2" charset="0"/>
+                <a:ea typeface="+mn-ea"/>
+                <a:cs typeface="+mn-cs"/>
+              </a:defRPr>
+            </a:lvl1pPr>
+            <a:lvl2pPr marL="685800" indent="-228600" algn="l" defTabSz="914400" rtl="0" eaLnBrk="1" latinLnBrk="0" hangingPunct="1">
+              <a:lnSpc>
+                <a:spcPct val="90000"/>
+              </a:lnSpc>
+              <a:spcBef>
+                <a:spcPts val="500"/>
+              </a:spcBef>
+              <a:buFont typeface="Arial" panose="020B0604020202020204" pitchFamily="34" charset="0"/>
+              <a:buChar char="•"/>
+              <a:defRPr sz="2400" kern="1200">
+                <a:solidFill>
+                  <a:schemeClr val="tx1">
+                    <a:lumMod val="50000"/>
+                    <a:lumOff val="50000"/>
+                  </a:schemeClr>
+                </a:solidFill>
+                <a:latin typeface="Titillium Web" panose="00000500000000000000" pitchFamily="2" charset="0"/>
+                <a:ea typeface="+mn-ea"/>
+                <a:cs typeface="+mn-cs"/>
+              </a:defRPr>
+            </a:lvl2pPr>
+            <a:lvl3pPr marL="1143000" indent="-228600" algn="l" defTabSz="914400" rtl="0" eaLnBrk="1" latinLnBrk="0" hangingPunct="1">
+              <a:lnSpc>
+                <a:spcPct val="90000"/>
+              </a:lnSpc>
+              <a:spcBef>
+                <a:spcPts val="500"/>
+              </a:spcBef>
+              <a:buFont typeface="Arial" panose="020B0604020202020204" pitchFamily="34" charset="0"/>
+              <a:buChar char="•"/>
+              <a:defRPr sz="2000" kern="1200">
+                <a:solidFill>
+                  <a:schemeClr val="tx1">
+                    <a:lumMod val="50000"/>
+                    <a:lumOff val="50000"/>
+                  </a:schemeClr>
+                </a:solidFill>
+                <a:latin typeface="Titillium Web" panose="00000500000000000000" pitchFamily="2" charset="0"/>
+                <a:ea typeface="+mn-ea"/>
+                <a:cs typeface="+mn-cs"/>
+              </a:defRPr>
+            </a:lvl3pPr>
+            <a:lvl4pPr marL="1600200" indent="-228600" algn="l" defTabSz="914400" rtl="0" eaLnBrk="1" latinLnBrk="0" hangingPunct="1">
+              <a:lnSpc>
+                <a:spcPct val="90000"/>
+              </a:lnSpc>
+              <a:spcBef>
+                <a:spcPts val="500"/>
+              </a:spcBef>
+              <a:buFont typeface="Arial" panose="020B0604020202020204" pitchFamily="34" charset="0"/>
+              <a:buChar char="•"/>
+              <a:defRPr sz="1800" kern="1200">
+                <a:solidFill>
+                  <a:schemeClr val="tx1">
+                    <a:lumMod val="50000"/>
+                    <a:lumOff val="50000"/>
+                  </a:schemeClr>
+                </a:solidFill>
+                <a:latin typeface="Titillium Web" panose="00000500000000000000" pitchFamily="2" charset="0"/>
+                <a:ea typeface="+mn-ea"/>
+                <a:cs typeface="+mn-cs"/>
+              </a:defRPr>
+            </a:lvl4pPr>
+            <a:lvl5pPr marL="2057400" indent="-228600" algn="l" defTabSz="914400" rtl="0" eaLnBrk="1" latinLnBrk="0" hangingPunct="1">
+              <a:lnSpc>
+                <a:spcPct val="90000"/>
+              </a:lnSpc>
+              <a:spcBef>
+                <a:spcPts val="500"/>
+              </a:spcBef>
+              <a:buFont typeface="Arial" panose="020B0604020202020204" pitchFamily="34" charset="0"/>
+              <a:buChar char="•"/>
+              <a:defRPr sz="1800" kern="1200">
+                <a:solidFill>
+                  <a:schemeClr val="tx1">
+                    <a:lumMod val="50000"/>
+                    <a:lumOff val="50000"/>
+                  </a:schemeClr>
+                </a:solidFill>
+                <a:latin typeface="Titillium Web" panose="00000500000000000000" pitchFamily="2" charset="0"/>
+                <a:ea typeface="+mn-ea"/>
+                <a:cs typeface="+mn-cs"/>
+              </a:defRPr>
+            </a:lvl5pPr>
+            <a:lvl6pPr marL="2514600" indent="-228600" algn="l" defTabSz="914400" rtl="0" eaLnBrk="1" latinLnBrk="0" hangingPunct="1">
+              <a:lnSpc>
+                <a:spcPct val="90000"/>
+              </a:lnSpc>
+              <a:spcBef>
+                <a:spcPts val="500"/>
+              </a:spcBef>
+              <a:buFont typeface="Arial" panose="020B0604020202020204" pitchFamily="34" charset="0"/>
+              <a:buChar char="•"/>
+              <a:defRPr sz="1800" kern="1200">
+                <a:solidFill>
+                  <a:schemeClr val="tx1"/>
+                </a:solidFill>
+                <a:latin typeface="+mn-lt"/>
+                <a:ea typeface="+mn-ea"/>
+                <a:cs typeface="+mn-cs"/>
+              </a:defRPr>
+            </a:lvl6pPr>
+            <a:lvl7pPr marL="2971800" indent="-228600" algn="l" defTabSz="914400" rtl="0" eaLnBrk="1" latinLnBrk="0" hangingPunct="1">
+              <a:lnSpc>
+                <a:spcPct val="90000"/>
+              </a:lnSpc>
+              <a:spcBef>
+                <a:spcPts val="500"/>
+              </a:spcBef>
+              <a:buFont typeface="Arial" panose="020B0604020202020204" pitchFamily="34" charset="0"/>
+              <a:buChar char="•"/>
+              <a:defRPr sz="1800" kern="1200">
+                <a:solidFill>
+                  <a:schemeClr val="tx1"/>
+                </a:solidFill>
+                <a:latin typeface="+mn-lt"/>
+                <a:ea typeface="+mn-ea"/>
+                <a:cs typeface="+mn-cs"/>
+              </a:defRPr>
+            </a:lvl7pPr>
+            <a:lvl8pPr marL="3429000" indent="-228600" algn="l" defTabSz="914400" rtl="0" eaLnBrk="1" latinLnBrk="0" hangingPunct="1">
+              <a:lnSpc>
+                <a:spcPct val="90000"/>
+              </a:lnSpc>
+              <a:spcBef>
+                <a:spcPts val="500"/>
+              </a:spcBef>
+              <a:buFont typeface="Arial" panose="020B0604020202020204" pitchFamily="34" charset="0"/>
+              <a:buChar char="•"/>
+              <a:defRPr sz="1800" kern="1200">
+                <a:solidFill>
+                  <a:schemeClr val="tx1"/>
+                </a:solidFill>
+                <a:latin typeface="+mn-lt"/>
+                <a:ea typeface="+mn-ea"/>
+                <a:cs typeface="+mn-cs"/>
+              </a:defRPr>
+            </a:lvl8pPr>
+            <a:lvl9pPr marL="3886200" indent="-228600" algn="l" defTabSz="914400" rtl="0" eaLnBrk="1" latinLnBrk="0" hangingPunct="1">
+              <a:lnSpc>
+                <a:spcPct val="90000"/>
+              </a:lnSpc>
+              <a:spcBef>
+                <a:spcPts val="500"/>
+              </a:spcBef>
+              <a:buFont typeface="Arial" panose="020B0604020202020204" pitchFamily="34" charset="0"/>
+              <a:buChar char="•"/>
+              <a:defRPr sz="1800" kern="1200">
+                <a:solidFill>
+                  <a:schemeClr val="tx1"/>
+                </a:solidFill>
+                <a:latin typeface="+mn-lt"/>
+                <a:ea typeface="+mn-ea"/>
+                <a:cs typeface="+mn-cs"/>
+              </a:defRPr>
+            </a:lvl9pPr>
+          </a:lstStyle>
+          <a:p>
+            <a:pPr marL="0" indent="0">
+              <a:buFont typeface="Arial" panose="020B0604020202020204" pitchFamily="34" charset="0"/>
+              <a:buNone/>
+            </a:pPr>
+            <a:r>
+              <a:rPr lang="en-GB" sz="1400" dirty="0" err="1" smtClean="0"/>
+              <a:t>getNumber</a:t>
+            </a:r>
+            <a:r>
+              <a:rPr lang="en-GB" sz="1400" dirty="0" smtClean="0"/>
+              <a:t>(1).compare(JohnAccount,2).pay(JohnAccount,3)</a:t>
+            </a:r>
+          </a:p>
+          <a:p>
+            <a:pPr marL="0" indent="0">
+              <a:buFont typeface="Arial" panose="020B0604020202020204" pitchFamily="34" charset="0"/>
+              <a:buNone/>
+            </a:pPr>
+            <a:endParaRPr lang="en-GB" sz="1400" dirty="0" smtClean="0"/>
+          </a:p>
+          <a:p>
+            <a:pPr marL="0" indent="0">
+              <a:buNone/>
+            </a:pPr>
+            <a:r>
+              <a:rPr lang="en-GB" sz="1400" dirty="0" err="1" smtClean="0"/>
+              <a:t>getNumber</a:t>
+            </a:r>
+            <a:r>
+              <a:rPr lang="en-GB" sz="1400" dirty="0" smtClean="0"/>
+              <a:t>(2).compare(JohnAccount,2).take(JohnAccount,3)</a:t>
+            </a:r>
+          </a:p>
+          <a:p>
+            <a:pPr marL="0" indent="0">
+              <a:buNone/>
+            </a:pPr>
+            <a:endParaRPr lang="en-GB" sz="1400" dirty="0"/>
+          </a:p>
+          <a:p>
+            <a:pPr marL="0" indent="0">
+              <a:buNone/>
+            </a:pPr>
+            <a:r>
+              <a:rPr lang="en-GB" sz="1400" dirty="0" err="1" smtClean="0"/>
+              <a:t>getNumber</a:t>
+            </a:r>
+            <a:r>
+              <a:rPr lang="en-GB" sz="1400" dirty="0" smtClean="0"/>
+              <a:t>(10)</a:t>
+            </a:r>
+          </a:p>
+          <a:p>
+            <a:pPr marL="0" indent="0">
+              <a:buNone/>
+            </a:pPr>
+            <a:endParaRPr lang="en-GB" sz="1400" dirty="0"/>
+          </a:p>
+          <a:p>
+            <a:pPr marL="0" indent="0">
+              <a:buNone/>
+            </a:pPr>
+            <a:r>
+              <a:rPr lang="en-GB" sz="1400" dirty="0" err="1" smtClean="0"/>
+              <a:t>getNumber</a:t>
+            </a:r>
+            <a:r>
+              <a:rPr lang="en-GB" sz="1400" dirty="0" smtClean="0"/>
+              <a:t>(5).pay(MantasAccount,10)</a:t>
+            </a:r>
+          </a:p>
+          <a:p>
+            <a:pPr marL="0" indent="0">
+              <a:buNone/>
+            </a:pPr>
+            <a:endParaRPr lang="en-GB" sz="1400" dirty="0"/>
+          </a:p>
+          <a:p>
+            <a:pPr marL="0" indent="0">
+              <a:buNone/>
+            </a:pPr>
+            <a:r>
+              <a:rPr lang="en-GB" sz="1400" dirty="0" smtClean="0"/>
+              <a:t>compare(</a:t>
+            </a:r>
+            <a:r>
+              <a:rPr lang="en-GB" sz="1400" dirty="0" err="1" smtClean="0"/>
+              <a:t>MantasAccount</a:t>
+            </a:r>
+            <a:r>
+              <a:rPr lang="en-GB" sz="1400" dirty="0" smtClean="0"/>
+              <a:t>, 4)</a:t>
+            </a:r>
+          </a:p>
+          <a:p>
+            <a:pPr marL="0" indent="0">
+              <a:buNone/>
+            </a:pPr>
+            <a:endParaRPr lang="en-GB" sz="1400" dirty="0"/>
+          </a:p>
+          <a:p>
+            <a:pPr marL="0" indent="0">
+              <a:buNone/>
+            </a:pPr>
+            <a:r>
+              <a:rPr lang="en-GB" sz="1400" dirty="0" err="1"/>
+              <a:t>getNumber</a:t>
+            </a:r>
+            <a:r>
+              <a:rPr lang="en-GB" sz="1400" dirty="0"/>
+              <a:t>(1).compare(JohnAccount,2).</a:t>
+            </a:r>
+            <a:r>
+              <a:rPr lang="en-GB" sz="1400" dirty="0" smtClean="0"/>
+              <a:t>pay(MantasAccount,6)</a:t>
+            </a:r>
+            <a:endParaRPr lang="en-GB" sz="1400" dirty="0"/>
+          </a:p>
+          <a:p>
+            <a:pPr marL="0" indent="0">
+              <a:buNone/>
+            </a:pPr>
+            <a:endParaRPr lang="en-GB" sz="1400" dirty="0"/>
           </a:p>
         </p:txBody>
       </p:sp>
